--- a/docs/Training_Material.pptx
+++ b/docs/Training_Material.pptx
@@ -5,7 +5,7 @@
     <p:sldMasterId id="2147483648" r:id="rId1"/>
   </p:sldMasterIdLst>
   <p:notesMasterIdLst>
-    <p:notesMasterId r:id="rId19"/>
+    <p:notesMasterId r:id="rId20"/>
   </p:notesMasterIdLst>
   <p:sldIdLst>
     <p:sldId id="279" r:id="rId2"/>
@@ -20,11 +20,12 @@
     <p:sldId id="261" r:id="rId11"/>
     <p:sldId id="274" r:id="rId12"/>
     <p:sldId id="275" r:id="rId13"/>
-    <p:sldId id="276" r:id="rId14"/>
-    <p:sldId id="277" r:id="rId15"/>
-    <p:sldId id="262" r:id="rId16"/>
-    <p:sldId id="264" r:id="rId17"/>
-    <p:sldId id="278" r:id="rId18"/>
+    <p:sldId id="282" r:id="rId14"/>
+    <p:sldId id="276" r:id="rId15"/>
+    <p:sldId id="277" r:id="rId16"/>
+    <p:sldId id="262" r:id="rId17"/>
+    <p:sldId id="264" r:id="rId18"/>
+    <p:sldId id="278" r:id="rId19"/>
   </p:sldIdLst>
   <p:sldSz cx="12192000" cy="6858000"/>
   <p:notesSz cx="6858000" cy="9144000"/>
@@ -123,6 +124,11 @@
       </a:defRPr>
     </a:lvl9pPr>
   </p:defaultTextStyle>
+  <p:extLst>
+    <p:ext uri="{EFAFB233-063F-42B5-8137-9DF3F51BA10A}">
+      <p15:sldGuideLst xmlns:p15="http://schemas.microsoft.com/office/powerpoint/2012/main"/>
+    </p:ext>
+  </p:extLst>
 </p:presentation>
 </file>
 
@@ -4684,7 +4690,7 @@
   <dgm:whole/>
   <dgm:extLst>
     <a:ext uri="http://schemas.microsoft.com/office/drawing/2008/diagram">
-      <dsp:dataModelExt xmlns:dsp="http://schemas.microsoft.com/office/drawing/2008/diagram" relId="rId6" minVer="http://schemas.openxmlformats.org/drawingml/2006/diagram"/>
+      <dsp:dataModelExt xmlns:dsp="http://schemas.microsoft.com/office/drawing/2008/diagram" relId="rId9" minVer="http://schemas.openxmlformats.org/drawingml/2006/diagram"/>
     </a:ext>
   </dgm:extLst>
 </dgm:dataModel>
@@ -16041,6 +16047,114 @@
           <a:chExt cx="0" cy="0"/>
         </a:xfrm>
       </p:grpSpPr>
+      <p:pic>
+        <p:nvPicPr>
+          <p:cNvPr id="12" name="Picture 11" descr="A picture containing screenshot, line, parallel&#10;&#10;Description automatically generated">
+            <a:extLst>
+              <a:ext uri="{FF2B5EF4-FFF2-40B4-BE49-F238E27FC236}">
+                <a16:creationId xmlns:a16="http://schemas.microsoft.com/office/drawing/2014/main" id="{238BE272-8BBC-55A4-5A1D-5CED715ED229}"/>
+              </a:ext>
+            </a:extLst>
+          </p:cNvPr>
+          <p:cNvPicPr>
+            <a:picLocks noChangeAspect="1"/>
+          </p:cNvPicPr>
+          <p:nvPr/>
+        </p:nvPicPr>
+        <p:blipFill>
+          <a:blip r:embed="rId2">
+            <a:extLst>
+              <a:ext uri="{28A0092B-C50C-407E-A947-70E740481C1C}">
+                <a14:useLocalDpi xmlns:a14="http://schemas.microsoft.com/office/drawing/2010/main" val="0"/>
+              </a:ext>
+            </a:extLst>
+          </a:blip>
+          <a:stretch>
+            <a:fillRect/>
+          </a:stretch>
+        </p:blipFill>
+        <p:spPr>
+          <a:xfrm>
+            <a:off x="7222672" y="1440642"/>
+            <a:ext cx="1660071" cy="1804311"/>
+          </a:xfrm>
+          <a:prstGeom prst="rect">
+            <a:avLst/>
+          </a:prstGeom>
+        </p:spPr>
+      </p:pic>
+      <p:pic>
+        <p:nvPicPr>
+          <p:cNvPr id="10" name="Picture 9" descr="A picture containing text, diagram, plan, parallel&#10;&#10;Description automatically generated">
+            <a:extLst>
+              <a:ext uri="{FF2B5EF4-FFF2-40B4-BE49-F238E27FC236}">
+                <a16:creationId xmlns:a16="http://schemas.microsoft.com/office/drawing/2014/main" id="{D48CF53F-AE36-4487-BB8B-76A94667EE99}"/>
+              </a:ext>
+            </a:extLst>
+          </p:cNvPr>
+          <p:cNvPicPr>
+            <a:picLocks noChangeAspect="1"/>
+          </p:cNvPicPr>
+          <p:nvPr/>
+        </p:nvPicPr>
+        <p:blipFill>
+          <a:blip r:embed="rId3">
+            <a:extLst>
+              <a:ext uri="{28A0092B-C50C-407E-A947-70E740481C1C}">
+                <a14:useLocalDpi xmlns:a14="http://schemas.microsoft.com/office/drawing/2010/main" val="0"/>
+              </a:ext>
+            </a:extLst>
+          </a:blip>
+          <a:stretch>
+            <a:fillRect/>
+          </a:stretch>
+        </p:blipFill>
+        <p:spPr>
+          <a:xfrm>
+            <a:off x="4047838" y="4797981"/>
+            <a:ext cx="1499508" cy="1931254"/>
+          </a:xfrm>
+          <a:prstGeom prst="rect">
+            <a:avLst/>
+          </a:prstGeom>
+        </p:spPr>
+      </p:pic>
+      <p:pic>
+        <p:nvPicPr>
+          <p:cNvPr id="8" name="Picture 7" descr="A picture containing text, diagram, plan, screenshot&#10;&#10;Description automatically generated">
+            <a:extLst>
+              <a:ext uri="{FF2B5EF4-FFF2-40B4-BE49-F238E27FC236}">
+                <a16:creationId xmlns:a16="http://schemas.microsoft.com/office/drawing/2014/main" id="{9A5F816D-2FD3-4E66-4ACF-572103D008E3}"/>
+              </a:ext>
+            </a:extLst>
+          </p:cNvPr>
+          <p:cNvPicPr>
+            <a:picLocks noChangeAspect="1"/>
+          </p:cNvPicPr>
+          <p:nvPr/>
+        </p:nvPicPr>
+        <p:blipFill>
+          <a:blip r:embed="rId4">
+            <a:extLst>
+              <a:ext uri="{28A0092B-C50C-407E-A947-70E740481C1C}">
+                <a14:useLocalDpi xmlns:a14="http://schemas.microsoft.com/office/drawing/2010/main" val="0"/>
+              </a:ext>
+            </a:extLst>
+          </a:blip>
+          <a:stretch>
+            <a:fillRect/>
+          </a:stretch>
+        </p:blipFill>
+        <p:spPr>
+          <a:xfrm>
+            <a:off x="281883" y="4833256"/>
+            <a:ext cx="2526632" cy="1539074"/>
+          </a:xfrm>
+          <a:prstGeom prst="rect">
+            <a:avLst/>
+          </a:prstGeom>
+        </p:spPr>
+      </p:pic>
       <p:sp>
         <p:nvSpPr>
           <p:cNvPr id="2" name="Title 1">
@@ -16085,7 +16199,7 @@
             <p:ph idx="1"/>
             <p:extLst>
               <p:ext uri="{D42A27DB-BD31-4B8C-83A1-F6EECF244321}">
-                <p14:modId xmlns:p14="http://schemas.microsoft.com/office/powerpoint/2010/main" val="1719854527"/>
+                <p14:modId xmlns:p14="http://schemas.microsoft.com/office/powerpoint/2010/main" val="344426050"/>
               </p:ext>
             </p:extLst>
           </p:nvPr>
@@ -16096,7 +16210,7 @@
         </p:xfrm>
         <a:graphic>
           <a:graphicData uri="http://schemas.openxmlformats.org/drawingml/2006/diagram">
-            <dgm:relIds xmlns:dgm="http://schemas.openxmlformats.org/drawingml/2006/diagram" xmlns:r="http://schemas.openxmlformats.org/officeDocument/2006/relationships" r:dm="rId2" r:lo="rId3" r:qs="rId4" r:cs="rId5"/>
+            <dgm:relIds xmlns:dgm="http://schemas.openxmlformats.org/drawingml/2006/diagram" xmlns:r="http://schemas.openxmlformats.org/officeDocument/2006/relationships" r:dm="rId5" r:lo="rId6" r:qs="rId7" r:cs="rId8"/>
           </a:graphicData>
         </a:graphic>
       </p:graphicFrame>
@@ -16143,6 +16257,215 @@
           </a:p>
         </p:txBody>
       </p:sp>
+      <p:pic>
+        <p:nvPicPr>
+          <p:cNvPr id="4" name="Picture 3" descr="A picture containing electronics, circuit, electronic component, circuit component&#10;&#10;Description automatically generated">
+            <a:extLst>
+              <a:ext uri="{FF2B5EF4-FFF2-40B4-BE49-F238E27FC236}">
+                <a16:creationId xmlns:a16="http://schemas.microsoft.com/office/drawing/2014/main" id="{995067D2-45BB-CCC1-A102-B8091DD81A07}"/>
+              </a:ext>
+            </a:extLst>
+          </p:cNvPr>
+          <p:cNvPicPr>
+            <a:picLocks noChangeAspect="1"/>
+          </p:cNvPicPr>
+          <p:nvPr/>
+        </p:nvPicPr>
+        <p:blipFill>
+          <a:blip r:embed="rId10">
+            <a:extLst>
+              <a:ext uri="{28A0092B-C50C-407E-A947-70E740481C1C}">
+                <a14:useLocalDpi xmlns:a14="http://schemas.microsoft.com/office/drawing/2010/main" val="0"/>
+              </a:ext>
+            </a:extLst>
+          </a:blip>
+          <a:stretch>
+            <a:fillRect/>
+          </a:stretch>
+        </p:blipFill>
+        <p:spPr>
+          <a:xfrm>
+            <a:off x="9729107" y="3845378"/>
+            <a:ext cx="2090057" cy="2090057"/>
+          </a:xfrm>
+          <a:prstGeom prst="rect">
+            <a:avLst/>
+          </a:prstGeom>
+        </p:spPr>
+      </p:pic>
+      <p:pic>
+        <p:nvPicPr>
+          <p:cNvPr id="14" name="Picture 13" descr="A screenshot of a computer&#10;&#10;Description automatically generated with medium confidence">
+            <a:extLst>
+              <a:ext uri="{FF2B5EF4-FFF2-40B4-BE49-F238E27FC236}">
+                <a16:creationId xmlns:a16="http://schemas.microsoft.com/office/drawing/2014/main" id="{B2F9FE1F-1F62-78F6-1E5A-D4C9B789EEB2}"/>
+              </a:ext>
+            </a:extLst>
+          </p:cNvPr>
+          <p:cNvPicPr>
+            <a:picLocks noChangeAspect="1"/>
+          </p:cNvPicPr>
+          <p:nvPr/>
+        </p:nvPicPr>
+        <p:blipFill>
+          <a:blip r:embed="rId11">
+            <a:extLst>
+              <a:ext uri="{28A0092B-C50C-407E-A947-70E740481C1C}">
+                <a14:useLocalDpi xmlns:a14="http://schemas.microsoft.com/office/drawing/2010/main" val="0"/>
+              </a:ext>
+            </a:extLst>
+          </a:blip>
+          <a:stretch>
+            <a:fillRect/>
+          </a:stretch>
+        </p:blipFill>
+        <p:spPr>
+          <a:xfrm>
+            <a:off x="5559367" y="4890406"/>
+            <a:ext cx="1004239" cy="1822587"/>
+          </a:xfrm>
+          <a:prstGeom prst="rect">
+            <a:avLst/>
+          </a:prstGeom>
+        </p:spPr>
+      </p:pic>
+      <p:cxnSp>
+        <p:nvCxnSpPr>
+          <p:cNvPr id="16" name="Straight Connector 15">
+            <a:extLst>
+              <a:ext uri="{FF2B5EF4-FFF2-40B4-BE49-F238E27FC236}">
+                <a16:creationId xmlns:a16="http://schemas.microsoft.com/office/drawing/2014/main" id="{31C41AB3-F4BE-8ADF-9F0E-315B528CA699}"/>
+              </a:ext>
+            </a:extLst>
+          </p:cNvPr>
+          <p:cNvCxnSpPr>
+            <a:cxnSpLocks/>
+            <a:stCxn id="21" idx="0"/>
+          </p:cNvCxnSpPr>
+          <p:nvPr/>
+        </p:nvCxnSpPr>
+        <p:spPr>
+          <a:xfrm flipV="1">
+            <a:off x="4537696" y="4890406"/>
+            <a:ext cx="1009650" cy="544684"/>
+          </a:xfrm>
+          <a:prstGeom prst="line">
+            <a:avLst/>
+          </a:prstGeom>
+          <a:ln>
+            <a:solidFill>
+              <a:srgbClr val="FF0000"/>
+            </a:solidFill>
+          </a:ln>
+        </p:spPr>
+        <p:style>
+          <a:lnRef idx="1">
+            <a:schemeClr val="accent1"/>
+          </a:lnRef>
+          <a:fillRef idx="0">
+            <a:schemeClr val="accent1"/>
+          </a:fillRef>
+          <a:effectRef idx="0">
+            <a:schemeClr val="accent1"/>
+          </a:effectRef>
+          <a:fontRef idx="minor">
+            <a:schemeClr val="tx1"/>
+          </a:fontRef>
+        </p:style>
+      </p:cxnSp>
+      <p:cxnSp>
+        <p:nvCxnSpPr>
+          <p:cNvPr id="17" name="Straight Connector 16">
+            <a:extLst>
+              <a:ext uri="{FF2B5EF4-FFF2-40B4-BE49-F238E27FC236}">
+                <a16:creationId xmlns:a16="http://schemas.microsoft.com/office/drawing/2014/main" id="{297B9BA0-03D8-0E28-CF73-D135B89A7C85}"/>
+              </a:ext>
+            </a:extLst>
+          </p:cNvPr>
+          <p:cNvCxnSpPr>
+            <a:cxnSpLocks/>
+            <a:stCxn id="21" idx="4"/>
+          </p:cNvCxnSpPr>
+          <p:nvPr/>
+        </p:nvCxnSpPr>
+        <p:spPr>
+          <a:xfrm>
+            <a:off x="4537696" y="5770496"/>
+            <a:ext cx="1009650" cy="928754"/>
+          </a:xfrm>
+          <a:prstGeom prst="line">
+            <a:avLst/>
+          </a:prstGeom>
+          <a:ln>
+            <a:solidFill>
+              <a:srgbClr val="FF0000"/>
+            </a:solidFill>
+          </a:ln>
+        </p:spPr>
+        <p:style>
+          <a:lnRef idx="1">
+            <a:schemeClr val="accent1"/>
+          </a:lnRef>
+          <a:fillRef idx="0">
+            <a:schemeClr val="accent1"/>
+          </a:fillRef>
+          <a:effectRef idx="0">
+            <a:schemeClr val="accent1"/>
+          </a:effectRef>
+          <a:fontRef idx="minor">
+            <a:schemeClr val="tx1"/>
+          </a:fontRef>
+        </p:style>
+      </p:cxnSp>
+      <p:sp>
+        <p:nvSpPr>
+          <p:cNvPr id="21" name="Oval 20">
+            <a:extLst>
+              <a:ext uri="{FF2B5EF4-FFF2-40B4-BE49-F238E27FC236}">
+                <a16:creationId xmlns:a16="http://schemas.microsoft.com/office/drawing/2014/main" id="{B6218732-B673-2174-72C0-4723FD4DD603}"/>
+              </a:ext>
+            </a:extLst>
+          </p:cNvPr>
+          <p:cNvSpPr/>
+          <p:nvPr/>
+        </p:nvSpPr>
+        <p:spPr>
+          <a:xfrm>
+            <a:off x="4369993" y="5435090"/>
+            <a:ext cx="335406" cy="335406"/>
+          </a:xfrm>
+          <a:prstGeom prst="ellipse">
+            <a:avLst/>
+          </a:prstGeom>
+          <a:ln>
+            <a:solidFill>
+              <a:srgbClr val="FF0000"/>
+            </a:solidFill>
+          </a:ln>
+        </p:spPr>
+        <p:style>
+          <a:lnRef idx="1">
+            <a:schemeClr val="accent1"/>
+          </a:lnRef>
+          <a:fillRef idx="0">
+            <a:schemeClr val="accent1"/>
+          </a:fillRef>
+          <a:effectRef idx="0">
+            <a:schemeClr val="accent1"/>
+          </a:effectRef>
+          <a:fontRef idx="minor">
+            <a:schemeClr val="tx1"/>
+          </a:fontRef>
+        </p:style>
+        <p:txBody>
+          <a:bodyPr rtlCol="0" anchor="ctr"/>
+          <a:lstStyle/>
+          <a:p>
+            <a:pPr algn="ctr"/>
+            <a:endParaRPr lang="en-GB"/>
+          </a:p>
+        </p:txBody>
+      </p:sp>
     </p:spTree>
     <p:extLst>
       <p:ext uri="{BB962C8B-B14F-4D97-AF65-F5344CB8AC3E}">
@@ -16157,6 +16480,2856 @@
 </file>
 
 <file path=ppt/slides/slide13.xml><?xml version="1.0" encoding="utf-8"?>
+<p:sld xmlns:a="http://schemas.openxmlformats.org/drawingml/2006/main" xmlns:r="http://schemas.openxmlformats.org/officeDocument/2006/relationships" xmlns:p="http://schemas.openxmlformats.org/presentationml/2006/main">
+  <p:cSld>
+    <p:spTree>
+      <p:nvGrpSpPr>
+        <p:cNvPr id="1" name=""/>
+        <p:cNvGrpSpPr/>
+        <p:nvPr/>
+      </p:nvGrpSpPr>
+      <p:grpSpPr>
+        <a:xfrm>
+          <a:off x="0" y="0"/>
+          <a:ext cx="0" cy="0"/>
+          <a:chOff x="0" y="0"/>
+          <a:chExt cx="0" cy="0"/>
+        </a:xfrm>
+      </p:grpSpPr>
+      <p:sp>
+        <p:nvSpPr>
+          <p:cNvPr id="2" name="Title 1">
+            <a:extLst>
+              <a:ext uri="{FF2B5EF4-FFF2-40B4-BE49-F238E27FC236}">
+                <a16:creationId xmlns:a16="http://schemas.microsoft.com/office/drawing/2014/main" id="{1CC6CB85-7951-8E13-3CF8-6A957FE1A6F9}"/>
+              </a:ext>
+            </a:extLst>
+          </p:cNvPr>
+          <p:cNvSpPr>
+            <a:spLocks noGrp="1"/>
+          </p:cNvSpPr>
+          <p:nvPr>
+            <p:ph type="title"/>
+          </p:nvPr>
+        </p:nvSpPr>
+        <p:spPr/>
+        <p:txBody>
+          <a:bodyPr/>
+          <a:lstStyle/>
+          <a:p>
+            <a:r>
+              <a:rPr lang="en-GB" dirty="0"/>
+              <a:t>What does “Check Timing” mean?</a:t>
+            </a:r>
+          </a:p>
+        </p:txBody>
+      </p:sp>
+      <p:grpSp>
+        <p:nvGrpSpPr>
+          <p:cNvPr id="87" name="Group 86">
+            <a:extLst>
+              <a:ext uri="{FF2B5EF4-FFF2-40B4-BE49-F238E27FC236}">
+                <a16:creationId xmlns:a16="http://schemas.microsoft.com/office/drawing/2014/main" id="{42454763-9D02-26F0-7EF9-9FD27437ED14}"/>
+              </a:ext>
+            </a:extLst>
+          </p:cNvPr>
+          <p:cNvGrpSpPr/>
+          <p:nvPr/>
+        </p:nvGrpSpPr>
+        <p:grpSpPr>
+          <a:xfrm>
+            <a:off x="1575132" y="2976457"/>
+            <a:ext cx="4953389" cy="3136516"/>
+            <a:chOff x="2806035" y="2580217"/>
+            <a:chExt cx="4953389" cy="3136516"/>
+          </a:xfrm>
+        </p:grpSpPr>
+        <p:cxnSp>
+          <p:nvCxnSpPr>
+            <p:cNvPr id="6" name="Straight Connector 5">
+              <a:extLst>
+                <a:ext uri="{FF2B5EF4-FFF2-40B4-BE49-F238E27FC236}">
+                  <a16:creationId xmlns:a16="http://schemas.microsoft.com/office/drawing/2014/main" id="{FF1D1E68-9A17-4404-3711-B5B63610B7B7}"/>
+                </a:ext>
+              </a:extLst>
+            </p:cNvPr>
+            <p:cNvCxnSpPr>
+              <a:cxnSpLocks/>
+            </p:cNvCxnSpPr>
+            <p:nvPr/>
+          </p:nvCxnSpPr>
+          <p:spPr>
+            <a:xfrm>
+              <a:off x="4015110" y="3242010"/>
+              <a:ext cx="370976" cy="0"/>
+            </a:xfrm>
+            <a:prstGeom prst="line">
+              <a:avLst/>
+            </a:prstGeom>
+          </p:spPr>
+          <p:style>
+            <a:lnRef idx="3">
+              <a:schemeClr val="dk1"/>
+            </a:lnRef>
+            <a:fillRef idx="0">
+              <a:schemeClr val="dk1"/>
+            </a:fillRef>
+            <a:effectRef idx="2">
+              <a:schemeClr val="dk1"/>
+            </a:effectRef>
+            <a:fontRef idx="minor">
+              <a:schemeClr val="tx1"/>
+            </a:fontRef>
+          </p:style>
+        </p:cxnSp>
+        <p:cxnSp>
+          <p:nvCxnSpPr>
+            <p:cNvPr id="7" name="Straight Connector 6">
+              <a:extLst>
+                <a:ext uri="{FF2B5EF4-FFF2-40B4-BE49-F238E27FC236}">
+                  <a16:creationId xmlns:a16="http://schemas.microsoft.com/office/drawing/2014/main" id="{C0BFD87B-B3B5-B135-DBA5-2D0EAC2E09A2}"/>
+                </a:ext>
+              </a:extLst>
+            </p:cNvPr>
+            <p:cNvCxnSpPr>
+              <a:cxnSpLocks/>
+            </p:cNvCxnSpPr>
+            <p:nvPr/>
+          </p:nvCxnSpPr>
+          <p:spPr>
+            <a:xfrm>
+              <a:off x="4015110" y="3695035"/>
+              <a:ext cx="370976" cy="0"/>
+            </a:xfrm>
+            <a:prstGeom prst="line">
+              <a:avLst/>
+            </a:prstGeom>
+          </p:spPr>
+          <p:style>
+            <a:lnRef idx="3">
+              <a:schemeClr val="dk1"/>
+            </a:lnRef>
+            <a:fillRef idx="0">
+              <a:schemeClr val="dk1"/>
+            </a:fillRef>
+            <a:effectRef idx="2">
+              <a:schemeClr val="dk1"/>
+            </a:effectRef>
+            <a:fontRef idx="minor">
+              <a:schemeClr val="tx1"/>
+            </a:fontRef>
+          </p:style>
+        </p:cxnSp>
+        <p:cxnSp>
+          <p:nvCxnSpPr>
+            <p:cNvPr id="8" name="Straight Connector 7">
+              <a:extLst>
+                <a:ext uri="{FF2B5EF4-FFF2-40B4-BE49-F238E27FC236}">
+                  <a16:creationId xmlns:a16="http://schemas.microsoft.com/office/drawing/2014/main" id="{C88F7A4A-4050-9AAF-AA49-7A7192E01CE2}"/>
+                </a:ext>
+              </a:extLst>
+            </p:cNvPr>
+            <p:cNvCxnSpPr>
+              <a:cxnSpLocks/>
+            </p:cNvCxnSpPr>
+            <p:nvPr/>
+          </p:nvCxnSpPr>
+          <p:spPr>
+            <a:xfrm flipH="1">
+              <a:off x="6070778" y="3242010"/>
+              <a:ext cx="75156" cy="212942"/>
+            </a:xfrm>
+            <a:prstGeom prst="line">
+              <a:avLst/>
+            </a:prstGeom>
+          </p:spPr>
+          <p:style>
+            <a:lnRef idx="3">
+              <a:schemeClr val="dk1"/>
+            </a:lnRef>
+            <a:fillRef idx="0">
+              <a:schemeClr val="dk1"/>
+            </a:fillRef>
+            <a:effectRef idx="2">
+              <a:schemeClr val="dk1"/>
+            </a:effectRef>
+            <a:fontRef idx="minor">
+              <a:schemeClr val="tx1"/>
+            </a:fontRef>
+          </p:style>
+        </p:cxnSp>
+        <p:cxnSp>
+          <p:nvCxnSpPr>
+            <p:cNvPr id="9" name="Straight Connector 8">
+              <a:extLst>
+                <a:ext uri="{FF2B5EF4-FFF2-40B4-BE49-F238E27FC236}">
+                  <a16:creationId xmlns:a16="http://schemas.microsoft.com/office/drawing/2014/main" id="{D7432300-257C-0EF2-95ED-574B7873809D}"/>
+                </a:ext>
+              </a:extLst>
+            </p:cNvPr>
+            <p:cNvCxnSpPr>
+              <a:cxnSpLocks/>
+            </p:cNvCxnSpPr>
+            <p:nvPr/>
+          </p:nvCxnSpPr>
+          <p:spPr>
+            <a:xfrm>
+              <a:off x="6070778" y="3454952"/>
+              <a:ext cx="75156" cy="240083"/>
+            </a:xfrm>
+            <a:prstGeom prst="line">
+              <a:avLst/>
+            </a:prstGeom>
+          </p:spPr>
+          <p:style>
+            <a:lnRef idx="3">
+              <a:schemeClr val="dk1"/>
+            </a:lnRef>
+            <a:fillRef idx="0">
+              <a:schemeClr val="dk1"/>
+            </a:fillRef>
+            <a:effectRef idx="2">
+              <a:schemeClr val="dk1"/>
+            </a:effectRef>
+            <a:fontRef idx="minor">
+              <a:schemeClr val="tx1"/>
+            </a:fontRef>
+          </p:style>
+        </p:cxnSp>
+        <p:cxnSp>
+          <p:nvCxnSpPr>
+            <p:cNvPr id="10" name="Straight Connector 9">
+              <a:extLst>
+                <a:ext uri="{FF2B5EF4-FFF2-40B4-BE49-F238E27FC236}">
+                  <a16:creationId xmlns:a16="http://schemas.microsoft.com/office/drawing/2014/main" id="{79AD9957-B14A-FB3F-B1A8-F5697884429A}"/>
+                </a:ext>
+              </a:extLst>
+            </p:cNvPr>
+            <p:cNvCxnSpPr>
+              <a:cxnSpLocks/>
+            </p:cNvCxnSpPr>
+            <p:nvPr/>
+          </p:nvCxnSpPr>
+          <p:spPr>
+            <a:xfrm>
+              <a:off x="4549907" y="3242010"/>
+              <a:ext cx="1122838" cy="0"/>
+            </a:xfrm>
+            <a:prstGeom prst="line">
+              <a:avLst/>
+            </a:prstGeom>
+          </p:spPr>
+          <p:style>
+            <a:lnRef idx="3">
+              <a:schemeClr val="dk1"/>
+            </a:lnRef>
+            <a:fillRef idx="0">
+              <a:schemeClr val="dk1"/>
+            </a:fillRef>
+            <a:effectRef idx="2">
+              <a:schemeClr val="dk1"/>
+            </a:effectRef>
+            <a:fontRef idx="minor">
+              <a:schemeClr val="tx1"/>
+            </a:fontRef>
+          </p:style>
+        </p:cxnSp>
+        <p:cxnSp>
+          <p:nvCxnSpPr>
+            <p:cNvPr id="11" name="Straight Connector 10">
+              <a:extLst>
+                <a:ext uri="{FF2B5EF4-FFF2-40B4-BE49-F238E27FC236}">
+                  <a16:creationId xmlns:a16="http://schemas.microsoft.com/office/drawing/2014/main" id="{7B1AE189-9227-507F-4581-A709967E678A}"/>
+                </a:ext>
+              </a:extLst>
+            </p:cNvPr>
+            <p:cNvCxnSpPr>
+              <a:cxnSpLocks/>
+            </p:cNvCxnSpPr>
+            <p:nvPr/>
+          </p:nvCxnSpPr>
+          <p:spPr>
+            <a:xfrm>
+              <a:off x="4549907" y="3695035"/>
+              <a:ext cx="1122838" cy="0"/>
+            </a:xfrm>
+            <a:prstGeom prst="line">
+              <a:avLst/>
+            </a:prstGeom>
+          </p:spPr>
+          <p:style>
+            <a:lnRef idx="3">
+              <a:schemeClr val="dk1"/>
+            </a:lnRef>
+            <a:fillRef idx="0">
+              <a:schemeClr val="dk1"/>
+            </a:fillRef>
+            <a:effectRef idx="2">
+              <a:schemeClr val="dk1"/>
+            </a:effectRef>
+            <a:fontRef idx="minor">
+              <a:schemeClr val="tx1"/>
+            </a:fontRef>
+          </p:style>
+        </p:cxnSp>
+        <p:cxnSp>
+          <p:nvCxnSpPr>
+            <p:cNvPr id="12" name="Straight Connector 11">
+              <a:extLst>
+                <a:ext uri="{FF2B5EF4-FFF2-40B4-BE49-F238E27FC236}">
+                  <a16:creationId xmlns:a16="http://schemas.microsoft.com/office/drawing/2014/main" id="{34438A7E-5AC7-B223-5BA0-DB0C4DAA72F5}"/>
+                </a:ext>
+              </a:extLst>
+            </p:cNvPr>
+            <p:cNvCxnSpPr>
+              <a:cxnSpLocks/>
+            </p:cNvCxnSpPr>
+            <p:nvPr/>
+          </p:nvCxnSpPr>
+          <p:spPr>
+            <a:xfrm flipH="1">
+              <a:off x="4474751" y="3242010"/>
+              <a:ext cx="75156" cy="212942"/>
+            </a:xfrm>
+            <a:prstGeom prst="line">
+              <a:avLst/>
+            </a:prstGeom>
+          </p:spPr>
+          <p:style>
+            <a:lnRef idx="3">
+              <a:schemeClr val="dk1"/>
+            </a:lnRef>
+            <a:fillRef idx="0">
+              <a:schemeClr val="dk1"/>
+            </a:fillRef>
+            <a:effectRef idx="2">
+              <a:schemeClr val="dk1"/>
+            </a:effectRef>
+            <a:fontRef idx="minor">
+              <a:schemeClr val="tx1"/>
+            </a:fontRef>
+          </p:style>
+        </p:cxnSp>
+        <p:cxnSp>
+          <p:nvCxnSpPr>
+            <p:cNvPr id="13" name="Straight Connector 12">
+              <a:extLst>
+                <a:ext uri="{FF2B5EF4-FFF2-40B4-BE49-F238E27FC236}">
+                  <a16:creationId xmlns:a16="http://schemas.microsoft.com/office/drawing/2014/main" id="{EC90CEA6-EA7C-DA77-F94F-222DCC371760}"/>
+                </a:ext>
+              </a:extLst>
+            </p:cNvPr>
+            <p:cNvCxnSpPr>
+              <a:cxnSpLocks/>
+            </p:cNvCxnSpPr>
+            <p:nvPr/>
+          </p:nvCxnSpPr>
+          <p:spPr>
+            <a:xfrm>
+              <a:off x="4474751" y="3454952"/>
+              <a:ext cx="75156" cy="240083"/>
+            </a:xfrm>
+            <a:prstGeom prst="line">
+              <a:avLst/>
+            </a:prstGeom>
+          </p:spPr>
+          <p:style>
+            <a:lnRef idx="3">
+              <a:schemeClr val="dk1"/>
+            </a:lnRef>
+            <a:fillRef idx="0">
+              <a:schemeClr val="dk1"/>
+            </a:fillRef>
+            <a:effectRef idx="2">
+              <a:schemeClr val="dk1"/>
+            </a:effectRef>
+            <a:fontRef idx="minor">
+              <a:schemeClr val="tx1"/>
+            </a:fontRef>
+          </p:style>
+        </p:cxnSp>
+        <p:cxnSp>
+          <p:nvCxnSpPr>
+            <p:cNvPr id="14" name="Straight Connector 13">
+              <a:extLst>
+                <a:ext uri="{FF2B5EF4-FFF2-40B4-BE49-F238E27FC236}">
+                  <a16:creationId xmlns:a16="http://schemas.microsoft.com/office/drawing/2014/main" id="{85ACE16E-4D78-2A6A-D773-E579CE5072C3}"/>
+                </a:ext>
+              </a:extLst>
+            </p:cNvPr>
+            <p:cNvCxnSpPr>
+              <a:cxnSpLocks/>
+            </p:cNvCxnSpPr>
+            <p:nvPr/>
+          </p:nvCxnSpPr>
+          <p:spPr>
+            <a:xfrm>
+              <a:off x="5672745" y="3242010"/>
+              <a:ext cx="75156" cy="212942"/>
+            </a:xfrm>
+            <a:prstGeom prst="line">
+              <a:avLst/>
+            </a:prstGeom>
+          </p:spPr>
+          <p:style>
+            <a:lnRef idx="3">
+              <a:schemeClr val="dk1"/>
+            </a:lnRef>
+            <a:fillRef idx="0">
+              <a:schemeClr val="dk1"/>
+            </a:fillRef>
+            <a:effectRef idx="2">
+              <a:schemeClr val="dk1"/>
+            </a:effectRef>
+            <a:fontRef idx="minor">
+              <a:schemeClr val="tx1"/>
+            </a:fontRef>
+          </p:style>
+        </p:cxnSp>
+        <p:cxnSp>
+          <p:nvCxnSpPr>
+            <p:cNvPr id="15" name="Straight Connector 14">
+              <a:extLst>
+                <a:ext uri="{FF2B5EF4-FFF2-40B4-BE49-F238E27FC236}">
+                  <a16:creationId xmlns:a16="http://schemas.microsoft.com/office/drawing/2014/main" id="{3CBE9DA0-A5B0-D6E4-CBDF-B83F4AA8D161}"/>
+                </a:ext>
+              </a:extLst>
+            </p:cNvPr>
+            <p:cNvCxnSpPr>
+              <a:cxnSpLocks/>
+            </p:cNvCxnSpPr>
+            <p:nvPr/>
+          </p:nvCxnSpPr>
+          <p:spPr>
+            <a:xfrm flipH="1">
+              <a:off x="5672745" y="3454952"/>
+              <a:ext cx="75156" cy="240083"/>
+            </a:xfrm>
+            <a:prstGeom prst="line">
+              <a:avLst/>
+            </a:prstGeom>
+          </p:spPr>
+          <p:style>
+            <a:lnRef idx="3">
+              <a:schemeClr val="dk1"/>
+            </a:lnRef>
+            <a:fillRef idx="0">
+              <a:schemeClr val="dk1"/>
+            </a:fillRef>
+            <a:effectRef idx="2">
+              <a:schemeClr val="dk1"/>
+            </a:effectRef>
+            <a:fontRef idx="minor">
+              <a:schemeClr val="tx1"/>
+            </a:fontRef>
+          </p:style>
+        </p:cxnSp>
+        <p:cxnSp>
+          <p:nvCxnSpPr>
+            <p:cNvPr id="16" name="Straight Connector 15">
+              <a:extLst>
+                <a:ext uri="{FF2B5EF4-FFF2-40B4-BE49-F238E27FC236}">
+                  <a16:creationId xmlns:a16="http://schemas.microsoft.com/office/drawing/2014/main" id="{09CF57D6-5B57-639C-D6D5-A879D557DD00}"/>
+                </a:ext>
+              </a:extLst>
+            </p:cNvPr>
+            <p:cNvCxnSpPr>
+              <a:cxnSpLocks/>
+            </p:cNvCxnSpPr>
+            <p:nvPr/>
+          </p:nvCxnSpPr>
+          <p:spPr>
+            <a:xfrm flipH="1">
+              <a:off x="5744770" y="3242010"/>
+              <a:ext cx="75156" cy="212942"/>
+            </a:xfrm>
+            <a:prstGeom prst="line">
+              <a:avLst/>
+            </a:prstGeom>
+          </p:spPr>
+          <p:style>
+            <a:lnRef idx="3">
+              <a:schemeClr val="dk1"/>
+            </a:lnRef>
+            <a:fillRef idx="0">
+              <a:schemeClr val="dk1"/>
+            </a:fillRef>
+            <a:effectRef idx="2">
+              <a:schemeClr val="dk1"/>
+            </a:effectRef>
+            <a:fontRef idx="minor">
+              <a:schemeClr val="tx1"/>
+            </a:fontRef>
+          </p:style>
+        </p:cxnSp>
+        <p:cxnSp>
+          <p:nvCxnSpPr>
+            <p:cNvPr id="17" name="Straight Connector 16">
+              <a:extLst>
+                <a:ext uri="{FF2B5EF4-FFF2-40B4-BE49-F238E27FC236}">
+                  <a16:creationId xmlns:a16="http://schemas.microsoft.com/office/drawing/2014/main" id="{3A0E2DB8-0F8B-64AB-789D-AF77A9B58023}"/>
+                </a:ext>
+              </a:extLst>
+            </p:cNvPr>
+            <p:cNvCxnSpPr>
+              <a:cxnSpLocks/>
+            </p:cNvCxnSpPr>
+            <p:nvPr/>
+          </p:nvCxnSpPr>
+          <p:spPr>
+            <a:xfrm>
+              <a:off x="5744770" y="3454952"/>
+              <a:ext cx="75156" cy="240083"/>
+            </a:xfrm>
+            <a:prstGeom prst="line">
+              <a:avLst/>
+            </a:prstGeom>
+          </p:spPr>
+          <p:style>
+            <a:lnRef idx="3">
+              <a:schemeClr val="dk1"/>
+            </a:lnRef>
+            <a:fillRef idx="0">
+              <a:schemeClr val="dk1"/>
+            </a:fillRef>
+            <a:effectRef idx="2">
+              <a:schemeClr val="dk1"/>
+            </a:effectRef>
+            <a:fontRef idx="minor">
+              <a:schemeClr val="tx1"/>
+            </a:fontRef>
+          </p:style>
+        </p:cxnSp>
+        <p:cxnSp>
+          <p:nvCxnSpPr>
+            <p:cNvPr id="18" name="Straight Connector 17">
+              <a:extLst>
+                <a:ext uri="{FF2B5EF4-FFF2-40B4-BE49-F238E27FC236}">
+                  <a16:creationId xmlns:a16="http://schemas.microsoft.com/office/drawing/2014/main" id="{FA5B234B-0945-B282-8D16-DCEF6C92CA1A}"/>
+                </a:ext>
+              </a:extLst>
+            </p:cNvPr>
+            <p:cNvCxnSpPr>
+              <a:cxnSpLocks/>
+            </p:cNvCxnSpPr>
+            <p:nvPr/>
+          </p:nvCxnSpPr>
+          <p:spPr>
+            <a:xfrm>
+              <a:off x="5819926" y="3240793"/>
+              <a:ext cx="175696" cy="0"/>
+            </a:xfrm>
+            <a:prstGeom prst="line">
+              <a:avLst/>
+            </a:prstGeom>
+          </p:spPr>
+          <p:style>
+            <a:lnRef idx="3">
+              <a:schemeClr val="dk1"/>
+            </a:lnRef>
+            <a:fillRef idx="0">
+              <a:schemeClr val="dk1"/>
+            </a:fillRef>
+            <a:effectRef idx="2">
+              <a:schemeClr val="dk1"/>
+            </a:effectRef>
+            <a:fontRef idx="minor">
+              <a:schemeClr val="tx1"/>
+            </a:fontRef>
+          </p:style>
+        </p:cxnSp>
+        <p:cxnSp>
+          <p:nvCxnSpPr>
+            <p:cNvPr id="19" name="Straight Connector 18">
+              <a:extLst>
+                <a:ext uri="{FF2B5EF4-FFF2-40B4-BE49-F238E27FC236}">
+                  <a16:creationId xmlns:a16="http://schemas.microsoft.com/office/drawing/2014/main" id="{4BA6381A-0375-5290-5DDE-44B53C747F5F}"/>
+                </a:ext>
+              </a:extLst>
+            </p:cNvPr>
+            <p:cNvCxnSpPr>
+              <a:cxnSpLocks/>
+            </p:cNvCxnSpPr>
+            <p:nvPr/>
+          </p:nvCxnSpPr>
+          <p:spPr>
+            <a:xfrm>
+              <a:off x="5819926" y="3693818"/>
+              <a:ext cx="175696" cy="0"/>
+            </a:xfrm>
+            <a:prstGeom prst="line">
+              <a:avLst/>
+            </a:prstGeom>
+          </p:spPr>
+          <p:style>
+            <a:lnRef idx="3">
+              <a:schemeClr val="dk1"/>
+            </a:lnRef>
+            <a:fillRef idx="0">
+              <a:schemeClr val="dk1"/>
+            </a:fillRef>
+            <a:effectRef idx="2">
+              <a:schemeClr val="dk1"/>
+            </a:effectRef>
+            <a:fontRef idx="minor">
+              <a:schemeClr val="tx1"/>
+            </a:fontRef>
+          </p:style>
+        </p:cxnSp>
+        <p:cxnSp>
+          <p:nvCxnSpPr>
+            <p:cNvPr id="20" name="Straight Connector 19">
+              <a:extLst>
+                <a:ext uri="{FF2B5EF4-FFF2-40B4-BE49-F238E27FC236}">
+                  <a16:creationId xmlns:a16="http://schemas.microsoft.com/office/drawing/2014/main" id="{26FBB868-11FD-D36E-2316-C5DA85334FF4}"/>
+                </a:ext>
+              </a:extLst>
+            </p:cNvPr>
+            <p:cNvCxnSpPr>
+              <a:cxnSpLocks/>
+            </p:cNvCxnSpPr>
+            <p:nvPr/>
+          </p:nvCxnSpPr>
+          <p:spPr>
+            <a:xfrm>
+              <a:off x="5995622" y="3237618"/>
+              <a:ext cx="75156" cy="212942"/>
+            </a:xfrm>
+            <a:prstGeom prst="line">
+              <a:avLst/>
+            </a:prstGeom>
+          </p:spPr>
+          <p:style>
+            <a:lnRef idx="3">
+              <a:schemeClr val="dk1"/>
+            </a:lnRef>
+            <a:fillRef idx="0">
+              <a:schemeClr val="dk1"/>
+            </a:fillRef>
+            <a:effectRef idx="2">
+              <a:schemeClr val="dk1"/>
+            </a:effectRef>
+            <a:fontRef idx="minor">
+              <a:schemeClr val="tx1"/>
+            </a:fontRef>
+          </p:style>
+        </p:cxnSp>
+        <p:cxnSp>
+          <p:nvCxnSpPr>
+            <p:cNvPr id="21" name="Straight Connector 20">
+              <a:extLst>
+                <a:ext uri="{FF2B5EF4-FFF2-40B4-BE49-F238E27FC236}">
+                  <a16:creationId xmlns:a16="http://schemas.microsoft.com/office/drawing/2014/main" id="{05EDFD76-5199-BC53-2F7D-F789A747B898}"/>
+                </a:ext>
+              </a:extLst>
+            </p:cNvPr>
+            <p:cNvCxnSpPr>
+              <a:cxnSpLocks/>
+            </p:cNvCxnSpPr>
+            <p:nvPr/>
+          </p:nvCxnSpPr>
+          <p:spPr>
+            <a:xfrm flipH="1">
+              <a:off x="5995622" y="3450560"/>
+              <a:ext cx="75156" cy="240083"/>
+            </a:xfrm>
+            <a:prstGeom prst="line">
+              <a:avLst/>
+            </a:prstGeom>
+          </p:spPr>
+          <p:style>
+            <a:lnRef idx="3">
+              <a:schemeClr val="dk1"/>
+            </a:lnRef>
+            <a:fillRef idx="0">
+              <a:schemeClr val="dk1"/>
+            </a:fillRef>
+            <a:effectRef idx="2">
+              <a:schemeClr val="dk1"/>
+            </a:effectRef>
+            <a:fontRef idx="minor">
+              <a:schemeClr val="tx1"/>
+            </a:fontRef>
+          </p:style>
+        </p:cxnSp>
+        <p:cxnSp>
+          <p:nvCxnSpPr>
+            <p:cNvPr id="22" name="Straight Connector 21">
+              <a:extLst>
+                <a:ext uri="{FF2B5EF4-FFF2-40B4-BE49-F238E27FC236}">
+                  <a16:creationId xmlns:a16="http://schemas.microsoft.com/office/drawing/2014/main" id="{3A926BCB-4A6D-401C-18FA-36028996B250}"/>
+                </a:ext>
+              </a:extLst>
+            </p:cNvPr>
+            <p:cNvCxnSpPr>
+              <a:cxnSpLocks/>
+            </p:cNvCxnSpPr>
+            <p:nvPr/>
+          </p:nvCxnSpPr>
+          <p:spPr>
+            <a:xfrm>
+              <a:off x="6145934" y="3237618"/>
+              <a:ext cx="541969" cy="0"/>
+            </a:xfrm>
+            <a:prstGeom prst="line">
+              <a:avLst/>
+            </a:prstGeom>
+          </p:spPr>
+          <p:style>
+            <a:lnRef idx="3">
+              <a:schemeClr val="dk1"/>
+            </a:lnRef>
+            <a:fillRef idx="0">
+              <a:schemeClr val="dk1"/>
+            </a:fillRef>
+            <a:effectRef idx="2">
+              <a:schemeClr val="dk1"/>
+            </a:effectRef>
+            <a:fontRef idx="minor">
+              <a:schemeClr val="tx1"/>
+            </a:fontRef>
+          </p:style>
+        </p:cxnSp>
+        <p:cxnSp>
+          <p:nvCxnSpPr>
+            <p:cNvPr id="23" name="Straight Connector 22">
+              <a:extLst>
+                <a:ext uri="{FF2B5EF4-FFF2-40B4-BE49-F238E27FC236}">
+                  <a16:creationId xmlns:a16="http://schemas.microsoft.com/office/drawing/2014/main" id="{02A1B1BC-C304-E75B-D3A7-F308E147E326}"/>
+                </a:ext>
+              </a:extLst>
+            </p:cNvPr>
+            <p:cNvCxnSpPr>
+              <a:cxnSpLocks/>
+            </p:cNvCxnSpPr>
+            <p:nvPr/>
+          </p:nvCxnSpPr>
+          <p:spPr>
+            <a:xfrm>
+              <a:off x="6145934" y="3690643"/>
+              <a:ext cx="555968" cy="0"/>
+            </a:xfrm>
+            <a:prstGeom prst="line">
+              <a:avLst/>
+            </a:prstGeom>
+          </p:spPr>
+          <p:style>
+            <a:lnRef idx="3">
+              <a:schemeClr val="dk1"/>
+            </a:lnRef>
+            <a:fillRef idx="0">
+              <a:schemeClr val="dk1"/>
+            </a:fillRef>
+            <a:effectRef idx="2">
+              <a:schemeClr val="dk1"/>
+            </a:effectRef>
+            <a:fontRef idx="minor">
+              <a:schemeClr val="tx1"/>
+            </a:fontRef>
+          </p:style>
+        </p:cxnSp>
+        <p:cxnSp>
+          <p:nvCxnSpPr>
+            <p:cNvPr id="24" name="Straight Connector 23">
+              <a:extLst>
+                <a:ext uri="{FF2B5EF4-FFF2-40B4-BE49-F238E27FC236}">
+                  <a16:creationId xmlns:a16="http://schemas.microsoft.com/office/drawing/2014/main" id="{CB857969-DECE-1A54-2F41-669C42F3ED91}"/>
+                </a:ext>
+              </a:extLst>
+            </p:cNvPr>
+            <p:cNvCxnSpPr/>
+            <p:nvPr/>
+          </p:nvCxnSpPr>
+          <p:spPr>
+            <a:xfrm flipV="1">
+              <a:off x="4015110" y="2580217"/>
+              <a:ext cx="0" cy="419622"/>
+            </a:xfrm>
+            <a:prstGeom prst="line">
+              <a:avLst/>
+            </a:prstGeom>
+          </p:spPr>
+          <p:style>
+            <a:lnRef idx="3">
+              <a:schemeClr val="dk1"/>
+            </a:lnRef>
+            <a:fillRef idx="0">
+              <a:schemeClr val="dk1"/>
+            </a:fillRef>
+            <a:effectRef idx="2">
+              <a:schemeClr val="dk1"/>
+            </a:effectRef>
+            <a:fontRef idx="minor">
+              <a:schemeClr val="tx1"/>
+            </a:fontRef>
+          </p:style>
+        </p:cxnSp>
+        <p:cxnSp>
+          <p:nvCxnSpPr>
+            <p:cNvPr id="25" name="Straight Connector 24">
+              <a:extLst>
+                <a:ext uri="{FF2B5EF4-FFF2-40B4-BE49-F238E27FC236}">
+                  <a16:creationId xmlns:a16="http://schemas.microsoft.com/office/drawing/2014/main" id="{5F939497-1931-A292-C45B-5822824D9649}"/>
+                </a:ext>
+              </a:extLst>
+            </p:cNvPr>
+            <p:cNvCxnSpPr>
+              <a:cxnSpLocks/>
+            </p:cNvCxnSpPr>
+            <p:nvPr/>
+          </p:nvCxnSpPr>
+          <p:spPr>
+            <a:xfrm>
+              <a:off x="5362334" y="2993576"/>
+              <a:ext cx="1339568" cy="0"/>
+            </a:xfrm>
+            <a:prstGeom prst="line">
+              <a:avLst/>
+            </a:prstGeom>
+          </p:spPr>
+          <p:style>
+            <a:lnRef idx="3">
+              <a:schemeClr val="dk1"/>
+            </a:lnRef>
+            <a:fillRef idx="0">
+              <a:schemeClr val="dk1"/>
+            </a:fillRef>
+            <a:effectRef idx="2">
+              <a:schemeClr val="dk1"/>
+            </a:effectRef>
+            <a:fontRef idx="minor">
+              <a:schemeClr val="tx1"/>
+            </a:fontRef>
+          </p:style>
+        </p:cxnSp>
+        <p:cxnSp>
+          <p:nvCxnSpPr>
+            <p:cNvPr id="26" name="Straight Connector 25">
+              <a:extLst>
+                <a:ext uri="{FF2B5EF4-FFF2-40B4-BE49-F238E27FC236}">
+                  <a16:creationId xmlns:a16="http://schemas.microsoft.com/office/drawing/2014/main" id="{530E3CAD-4C5F-3B8D-3C06-8D1221108C45}"/>
+                </a:ext>
+              </a:extLst>
+            </p:cNvPr>
+            <p:cNvCxnSpPr/>
+            <p:nvPr/>
+          </p:nvCxnSpPr>
+          <p:spPr>
+            <a:xfrm flipV="1">
+              <a:off x="5362334" y="2580217"/>
+              <a:ext cx="0" cy="419622"/>
+            </a:xfrm>
+            <a:prstGeom prst="line">
+              <a:avLst/>
+            </a:prstGeom>
+          </p:spPr>
+          <p:style>
+            <a:lnRef idx="3">
+              <a:schemeClr val="dk1"/>
+            </a:lnRef>
+            <a:fillRef idx="0">
+              <a:schemeClr val="dk1"/>
+            </a:fillRef>
+            <a:effectRef idx="2">
+              <a:schemeClr val="dk1"/>
+            </a:effectRef>
+            <a:fontRef idx="minor">
+              <a:schemeClr val="tx1"/>
+            </a:fontRef>
+          </p:style>
+        </p:cxnSp>
+        <p:cxnSp>
+          <p:nvCxnSpPr>
+            <p:cNvPr id="27" name="Straight Connector 26">
+              <a:extLst>
+                <a:ext uri="{FF2B5EF4-FFF2-40B4-BE49-F238E27FC236}">
+                  <a16:creationId xmlns:a16="http://schemas.microsoft.com/office/drawing/2014/main" id="{9D32D87D-4AA5-98E5-A11C-129DCFB47BA2}"/>
+                </a:ext>
+              </a:extLst>
+            </p:cNvPr>
+            <p:cNvCxnSpPr/>
+            <p:nvPr/>
+          </p:nvCxnSpPr>
+          <p:spPr>
+            <a:xfrm flipV="1">
+              <a:off x="6691565" y="2580217"/>
+              <a:ext cx="0" cy="419622"/>
+            </a:xfrm>
+            <a:prstGeom prst="line">
+              <a:avLst/>
+            </a:prstGeom>
+          </p:spPr>
+          <p:style>
+            <a:lnRef idx="3">
+              <a:schemeClr val="dk1"/>
+            </a:lnRef>
+            <a:fillRef idx="0">
+              <a:schemeClr val="dk1"/>
+            </a:fillRef>
+            <a:effectRef idx="2">
+              <a:schemeClr val="dk1"/>
+            </a:effectRef>
+            <a:fontRef idx="minor">
+              <a:schemeClr val="tx1"/>
+            </a:fontRef>
+          </p:style>
+        </p:cxnSp>
+        <p:cxnSp>
+          <p:nvCxnSpPr>
+            <p:cNvPr id="28" name="Straight Connector 27">
+              <a:extLst>
+                <a:ext uri="{FF2B5EF4-FFF2-40B4-BE49-F238E27FC236}">
+                  <a16:creationId xmlns:a16="http://schemas.microsoft.com/office/drawing/2014/main" id="{F9A34EC5-79C8-4C73-495E-CDEEB2A1916C}"/>
+                </a:ext>
+              </a:extLst>
+            </p:cNvPr>
+            <p:cNvCxnSpPr/>
+            <p:nvPr/>
+          </p:nvCxnSpPr>
+          <p:spPr>
+            <a:xfrm>
+              <a:off x="6691565" y="2580217"/>
+              <a:ext cx="1014608" cy="0"/>
+            </a:xfrm>
+            <a:prstGeom prst="line">
+              <a:avLst/>
+            </a:prstGeom>
+          </p:spPr>
+          <p:style>
+            <a:lnRef idx="3">
+              <a:schemeClr val="dk1"/>
+            </a:lnRef>
+            <a:fillRef idx="0">
+              <a:schemeClr val="dk1"/>
+            </a:fillRef>
+            <a:effectRef idx="2">
+              <a:schemeClr val="dk1"/>
+            </a:effectRef>
+            <a:fontRef idx="minor">
+              <a:schemeClr val="tx1"/>
+            </a:fontRef>
+          </p:style>
+        </p:cxnSp>
+        <p:cxnSp>
+          <p:nvCxnSpPr>
+            <p:cNvPr id="29" name="Straight Connector 28">
+              <a:extLst>
+                <a:ext uri="{FF2B5EF4-FFF2-40B4-BE49-F238E27FC236}">
+                  <a16:creationId xmlns:a16="http://schemas.microsoft.com/office/drawing/2014/main" id="{9B7230C9-DD4A-C4CD-56F2-E59DCC2ECB4B}"/>
+                </a:ext>
+              </a:extLst>
+            </p:cNvPr>
+            <p:cNvCxnSpPr>
+              <a:cxnSpLocks/>
+            </p:cNvCxnSpPr>
+            <p:nvPr/>
+          </p:nvCxnSpPr>
+          <p:spPr>
+            <a:xfrm>
+              <a:off x="2912820" y="2993576"/>
+              <a:ext cx="1102290" cy="0"/>
+            </a:xfrm>
+            <a:prstGeom prst="line">
+              <a:avLst/>
+            </a:prstGeom>
+          </p:spPr>
+          <p:style>
+            <a:lnRef idx="3">
+              <a:schemeClr val="dk1"/>
+            </a:lnRef>
+            <a:fillRef idx="0">
+              <a:schemeClr val="dk1"/>
+            </a:fillRef>
+            <a:effectRef idx="2">
+              <a:schemeClr val="dk1"/>
+            </a:effectRef>
+            <a:fontRef idx="minor">
+              <a:schemeClr val="tx1"/>
+            </a:fontRef>
+          </p:style>
+        </p:cxnSp>
+        <p:cxnSp>
+          <p:nvCxnSpPr>
+            <p:cNvPr id="30" name="Straight Connector 29">
+              <a:extLst>
+                <a:ext uri="{FF2B5EF4-FFF2-40B4-BE49-F238E27FC236}">
+                  <a16:creationId xmlns:a16="http://schemas.microsoft.com/office/drawing/2014/main" id="{7B31B70D-3DCB-FC71-C774-061849542C2D}"/>
+                </a:ext>
+              </a:extLst>
+            </p:cNvPr>
+            <p:cNvCxnSpPr>
+              <a:cxnSpLocks/>
+            </p:cNvCxnSpPr>
+            <p:nvPr/>
+          </p:nvCxnSpPr>
+          <p:spPr>
+            <a:xfrm>
+              <a:off x="4015110" y="2993576"/>
+              <a:ext cx="0" cy="2723157"/>
+            </a:xfrm>
+            <a:prstGeom prst="line">
+              <a:avLst/>
+            </a:prstGeom>
+            <a:ln w="9525" cap="flat" cmpd="sng" algn="ctr">
+              <a:solidFill>
+                <a:schemeClr val="dk1"/>
+              </a:solidFill>
+              <a:prstDash val="dash"/>
+              <a:round/>
+              <a:headEnd type="none" w="med" len="med"/>
+              <a:tailEnd type="none" w="med" len="med"/>
+            </a:ln>
+          </p:spPr>
+          <p:style>
+            <a:lnRef idx="0">
+              <a:scrgbClr r="0" g="0" b="0"/>
+            </a:lnRef>
+            <a:fillRef idx="0">
+              <a:scrgbClr r="0" g="0" b="0"/>
+            </a:fillRef>
+            <a:effectRef idx="0">
+              <a:scrgbClr r="0" g="0" b="0"/>
+            </a:effectRef>
+            <a:fontRef idx="minor">
+              <a:schemeClr val="tx1"/>
+            </a:fontRef>
+          </p:style>
+        </p:cxnSp>
+        <p:cxnSp>
+          <p:nvCxnSpPr>
+            <p:cNvPr id="31" name="Straight Connector 30">
+              <a:extLst>
+                <a:ext uri="{FF2B5EF4-FFF2-40B4-BE49-F238E27FC236}">
+                  <a16:creationId xmlns:a16="http://schemas.microsoft.com/office/drawing/2014/main" id="{3E8000A6-97E3-7FE4-63A8-C67DA30B6883}"/>
+                </a:ext>
+              </a:extLst>
+            </p:cNvPr>
+            <p:cNvCxnSpPr>
+              <a:cxnSpLocks/>
+            </p:cNvCxnSpPr>
+            <p:nvPr/>
+          </p:nvCxnSpPr>
+          <p:spPr>
+            <a:xfrm>
+              <a:off x="6687903" y="2993576"/>
+              <a:ext cx="0" cy="2723157"/>
+            </a:xfrm>
+            <a:prstGeom prst="line">
+              <a:avLst/>
+            </a:prstGeom>
+            <a:ln w="9525" cap="flat" cmpd="sng" algn="ctr">
+              <a:solidFill>
+                <a:schemeClr val="dk1"/>
+              </a:solidFill>
+              <a:prstDash val="dash"/>
+              <a:round/>
+              <a:headEnd type="none" w="med" len="med"/>
+              <a:tailEnd type="none" w="med" len="med"/>
+            </a:ln>
+          </p:spPr>
+          <p:style>
+            <a:lnRef idx="0">
+              <a:scrgbClr r="0" g="0" b="0"/>
+            </a:lnRef>
+            <a:fillRef idx="0">
+              <a:scrgbClr r="0" g="0" b="0"/>
+            </a:fillRef>
+            <a:effectRef idx="0">
+              <a:scrgbClr r="0" g="0" b="0"/>
+            </a:effectRef>
+            <a:fontRef idx="minor">
+              <a:schemeClr val="tx1"/>
+            </a:fontRef>
+          </p:style>
+        </p:cxnSp>
+        <p:sp>
+          <p:nvSpPr>
+            <p:cNvPr id="32" name="TextBox 31">
+              <a:extLst>
+                <a:ext uri="{FF2B5EF4-FFF2-40B4-BE49-F238E27FC236}">
+                  <a16:creationId xmlns:a16="http://schemas.microsoft.com/office/drawing/2014/main" id="{377EC9A3-FF43-CF4E-C1E0-3A13C68B6E01}"/>
+                </a:ext>
+              </a:extLst>
+            </p:cNvPr>
+            <p:cNvSpPr txBox="1"/>
+            <p:nvPr/>
+          </p:nvSpPr>
+          <p:spPr>
+            <a:xfrm>
+              <a:off x="6197925" y="3325414"/>
+              <a:ext cx="386456" cy="276999"/>
+            </a:xfrm>
+            <a:prstGeom prst="rect">
+              <a:avLst/>
+            </a:prstGeom>
+            <a:noFill/>
+          </p:spPr>
+          <p:txBody>
+            <a:bodyPr wrap="square" rtlCol="0">
+              <a:spAutoFit/>
+            </a:bodyPr>
+            <a:lstStyle/>
+            <a:p>
+              <a:pPr algn="ctr"/>
+              <a:r>
+                <a:rPr lang="en-GB" sz="1200" i="1" dirty="0"/>
+                <a:t>T</a:t>
+              </a:r>
+              <a:r>
+                <a:rPr lang="en-GB" sz="1200" i="1" baseline="-25000" dirty="0"/>
+                <a:t>SU</a:t>
+              </a:r>
+            </a:p>
+          </p:txBody>
+        </p:sp>
+        <p:sp>
+          <p:nvSpPr>
+            <p:cNvPr id="33" name="TextBox 32">
+              <a:extLst>
+                <a:ext uri="{FF2B5EF4-FFF2-40B4-BE49-F238E27FC236}">
+                  <a16:creationId xmlns:a16="http://schemas.microsoft.com/office/drawing/2014/main" id="{B14CAF4E-1CB2-3BAA-A10E-B59B908EDA81}"/>
+                </a:ext>
+              </a:extLst>
+            </p:cNvPr>
+            <p:cNvSpPr txBox="1"/>
+            <p:nvPr/>
+          </p:nvSpPr>
+          <p:spPr>
+            <a:xfrm>
+              <a:off x="2806035" y="3290732"/>
+              <a:ext cx="620554" cy="369332"/>
+            </a:xfrm>
+            <a:prstGeom prst="rect">
+              <a:avLst/>
+            </a:prstGeom>
+            <a:noFill/>
+          </p:spPr>
+          <p:txBody>
+            <a:bodyPr wrap="none" rtlCol="0">
+              <a:spAutoFit/>
+            </a:bodyPr>
+            <a:lstStyle/>
+            <a:p>
+              <a:r>
+                <a:rPr lang="en-GB" dirty="0"/>
+                <a:t>Data</a:t>
+              </a:r>
+            </a:p>
+          </p:txBody>
+        </p:sp>
+        <p:sp>
+          <p:nvSpPr>
+            <p:cNvPr id="34" name="TextBox 33">
+              <a:extLst>
+                <a:ext uri="{FF2B5EF4-FFF2-40B4-BE49-F238E27FC236}">
+                  <a16:creationId xmlns:a16="http://schemas.microsoft.com/office/drawing/2014/main" id="{BE53E8DE-2688-9C4D-6D05-F402655872AC}"/>
+                </a:ext>
+              </a:extLst>
+            </p:cNvPr>
+            <p:cNvSpPr txBox="1"/>
+            <p:nvPr/>
+          </p:nvSpPr>
+          <p:spPr>
+            <a:xfrm>
+              <a:off x="2806035" y="2636955"/>
+              <a:ext cx="684803" cy="369332"/>
+            </a:xfrm>
+            <a:prstGeom prst="rect">
+              <a:avLst/>
+            </a:prstGeom>
+            <a:noFill/>
+          </p:spPr>
+          <p:txBody>
+            <a:bodyPr wrap="none" rtlCol="0">
+              <a:spAutoFit/>
+            </a:bodyPr>
+            <a:lstStyle/>
+            <a:p>
+              <a:r>
+                <a:rPr lang="en-GB" dirty="0"/>
+                <a:t>Clock</a:t>
+              </a:r>
+            </a:p>
+          </p:txBody>
+        </p:sp>
+        <p:cxnSp>
+          <p:nvCxnSpPr>
+            <p:cNvPr id="35" name="Straight Connector 34">
+              <a:extLst>
+                <a:ext uri="{FF2B5EF4-FFF2-40B4-BE49-F238E27FC236}">
+                  <a16:creationId xmlns:a16="http://schemas.microsoft.com/office/drawing/2014/main" id="{7B6DFC48-500D-56AE-640E-C990DE0EF752}"/>
+                </a:ext>
+              </a:extLst>
+            </p:cNvPr>
+            <p:cNvCxnSpPr>
+              <a:cxnSpLocks/>
+            </p:cNvCxnSpPr>
+            <p:nvPr/>
+          </p:nvCxnSpPr>
+          <p:spPr>
+            <a:xfrm>
+              <a:off x="4012708" y="2580217"/>
+              <a:ext cx="1349626" cy="0"/>
+            </a:xfrm>
+            <a:prstGeom prst="line">
+              <a:avLst/>
+            </a:prstGeom>
+          </p:spPr>
+          <p:style>
+            <a:lnRef idx="3">
+              <a:schemeClr val="dk1"/>
+            </a:lnRef>
+            <a:fillRef idx="0">
+              <a:schemeClr val="dk1"/>
+            </a:fillRef>
+            <a:effectRef idx="2">
+              <a:schemeClr val="dk1"/>
+            </a:effectRef>
+            <a:fontRef idx="minor">
+              <a:schemeClr val="tx1"/>
+            </a:fontRef>
+          </p:style>
+        </p:cxnSp>
+        <p:sp>
+          <p:nvSpPr>
+            <p:cNvPr id="36" name="TextBox 35">
+              <a:extLst>
+                <a:ext uri="{FF2B5EF4-FFF2-40B4-BE49-F238E27FC236}">
+                  <a16:creationId xmlns:a16="http://schemas.microsoft.com/office/drawing/2014/main" id="{0931AE97-D71A-2013-A29F-7F439E0003FD}"/>
+                </a:ext>
+              </a:extLst>
+            </p:cNvPr>
+            <p:cNvSpPr txBox="1"/>
+            <p:nvPr/>
+          </p:nvSpPr>
+          <p:spPr>
+            <a:xfrm>
+              <a:off x="4856247" y="3325414"/>
+              <a:ext cx="505267" cy="276999"/>
+            </a:xfrm>
+            <a:prstGeom prst="rect">
+              <a:avLst/>
+            </a:prstGeom>
+            <a:noFill/>
+          </p:spPr>
+          <p:txBody>
+            <a:bodyPr wrap="none" rtlCol="0">
+              <a:spAutoFit/>
+            </a:bodyPr>
+            <a:lstStyle/>
+            <a:p>
+              <a:pPr algn="ctr"/>
+              <a:r>
+                <a:rPr lang="en-GB" sz="1200" i="1" dirty="0"/>
+                <a:t>Logic</a:t>
+              </a:r>
+              <a:endParaRPr lang="en-GB" sz="1200" i="1" baseline="-25000" dirty="0"/>
+            </a:p>
+          </p:txBody>
+        </p:sp>
+        <p:sp>
+          <p:nvSpPr>
+            <p:cNvPr id="37" name="TextBox 36">
+              <a:extLst>
+                <a:ext uri="{FF2B5EF4-FFF2-40B4-BE49-F238E27FC236}">
+                  <a16:creationId xmlns:a16="http://schemas.microsoft.com/office/drawing/2014/main" id="{C6643560-7EFE-6CEC-C57F-EEF8A87268BF}"/>
+                </a:ext>
+              </a:extLst>
+            </p:cNvPr>
+            <p:cNvSpPr txBox="1"/>
+            <p:nvPr/>
+          </p:nvSpPr>
+          <p:spPr>
+            <a:xfrm>
+              <a:off x="5724030" y="3259049"/>
+              <a:ext cx="369332" cy="409728"/>
+            </a:xfrm>
+            <a:prstGeom prst="rect">
+              <a:avLst/>
+            </a:prstGeom>
+            <a:noFill/>
+          </p:spPr>
+          <p:txBody>
+            <a:bodyPr vert="vert270" wrap="none" rtlCol="0">
+              <a:spAutoFit/>
+            </a:bodyPr>
+            <a:lstStyle/>
+            <a:p>
+              <a:pPr algn="ctr"/>
+              <a:r>
+                <a:rPr lang="en-GB" sz="1200" i="1" dirty="0"/>
+                <a:t>Slack</a:t>
+              </a:r>
+              <a:endParaRPr lang="en-GB" sz="1200" i="1" baseline="-25000" dirty="0"/>
+            </a:p>
+          </p:txBody>
+        </p:sp>
+        <p:cxnSp>
+          <p:nvCxnSpPr>
+            <p:cNvPr id="38" name="Straight Connector 37">
+              <a:extLst>
+                <a:ext uri="{FF2B5EF4-FFF2-40B4-BE49-F238E27FC236}">
+                  <a16:creationId xmlns:a16="http://schemas.microsoft.com/office/drawing/2014/main" id="{BA32E195-CB22-DEC2-F54F-3D1CB62EE5A8}"/>
+                </a:ext>
+              </a:extLst>
+            </p:cNvPr>
+            <p:cNvCxnSpPr>
+              <a:cxnSpLocks/>
+            </p:cNvCxnSpPr>
+            <p:nvPr/>
+          </p:nvCxnSpPr>
+          <p:spPr>
+            <a:xfrm>
+              <a:off x="2912820" y="3241851"/>
+              <a:ext cx="1101292" cy="0"/>
+            </a:xfrm>
+            <a:prstGeom prst="line">
+              <a:avLst/>
+            </a:prstGeom>
+            <a:ln>
+              <a:prstDash val="dash"/>
+            </a:ln>
+          </p:spPr>
+          <p:style>
+            <a:lnRef idx="3">
+              <a:schemeClr val="dk1"/>
+            </a:lnRef>
+            <a:fillRef idx="0">
+              <a:schemeClr val="dk1"/>
+            </a:fillRef>
+            <a:effectRef idx="2">
+              <a:schemeClr val="dk1"/>
+            </a:effectRef>
+            <a:fontRef idx="minor">
+              <a:schemeClr val="tx1"/>
+            </a:fontRef>
+          </p:style>
+        </p:cxnSp>
+        <p:cxnSp>
+          <p:nvCxnSpPr>
+            <p:cNvPr id="39" name="Straight Connector 38">
+              <a:extLst>
+                <a:ext uri="{FF2B5EF4-FFF2-40B4-BE49-F238E27FC236}">
+                  <a16:creationId xmlns:a16="http://schemas.microsoft.com/office/drawing/2014/main" id="{DD2AC73C-0EA9-2B76-00CD-50588C532242}"/>
+                </a:ext>
+              </a:extLst>
+            </p:cNvPr>
+            <p:cNvCxnSpPr>
+              <a:cxnSpLocks/>
+            </p:cNvCxnSpPr>
+            <p:nvPr/>
+          </p:nvCxnSpPr>
+          <p:spPr>
+            <a:xfrm>
+              <a:off x="2912820" y="3694876"/>
+              <a:ext cx="1101292" cy="0"/>
+            </a:xfrm>
+            <a:prstGeom prst="line">
+              <a:avLst/>
+            </a:prstGeom>
+            <a:ln>
+              <a:prstDash val="dash"/>
+            </a:ln>
+          </p:spPr>
+          <p:style>
+            <a:lnRef idx="3">
+              <a:schemeClr val="dk1"/>
+            </a:lnRef>
+            <a:fillRef idx="0">
+              <a:schemeClr val="dk1"/>
+            </a:fillRef>
+            <a:effectRef idx="2">
+              <a:schemeClr val="dk1"/>
+            </a:effectRef>
+            <a:fontRef idx="minor">
+              <a:schemeClr val="tx1"/>
+            </a:fontRef>
+          </p:style>
+        </p:cxnSp>
+        <p:cxnSp>
+          <p:nvCxnSpPr>
+            <p:cNvPr id="40" name="Straight Connector 39">
+              <a:extLst>
+                <a:ext uri="{FF2B5EF4-FFF2-40B4-BE49-F238E27FC236}">
+                  <a16:creationId xmlns:a16="http://schemas.microsoft.com/office/drawing/2014/main" id="{82B6A1D7-851B-8421-956E-546DE8684EA4}"/>
+                </a:ext>
+              </a:extLst>
+            </p:cNvPr>
+            <p:cNvCxnSpPr>
+              <a:cxnSpLocks/>
+            </p:cNvCxnSpPr>
+            <p:nvPr/>
+          </p:nvCxnSpPr>
+          <p:spPr>
+            <a:xfrm>
+              <a:off x="6687903" y="3237618"/>
+              <a:ext cx="1018270" cy="0"/>
+            </a:xfrm>
+            <a:prstGeom prst="line">
+              <a:avLst/>
+            </a:prstGeom>
+            <a:ln>
+              <a:prstDash val="dash"/>
+            </a:ln>
+          </p:spPr>
+          <p:style>
+            <a:lnRef idx="3">
+              <a:schemeClr val="dk1"/>
+            </a:lnRef>
+            <a:fillRef idx="0">
+              <a:schemeClr val="dk1"/>
+            </a:fillRef>
+            <a:effectRef idx="2">
+              <a:schemeClr val="dk1"/>
+            </a:effectRef>
+            <a:fontRef idx="minor">
+              <a:schemeClr val="tx1"/>
+            </a:fontRef>
+          </p:style>
+        </p:cxnSp>
+        <p:cxnSp>
+          <p:nvCxnSpPr>
+            <p:cNvPr id="41" name="Straight Connector 40">
+              <a:extLst>
+                <a:ext uri="{FF2B5EF4-FFF2-40B4-BE49-F238E27FC236}">
+                  <a16:creationId xmlns:a16="http://schemas.microsoft.com/office/drawing/2014/main" id="{4DD9E448-242F-CC25-F6D0-1DD2D82D45A0}"/>
+                </a:ext>
+              </a:extLst>
+            </p:cNvPr>
+            <p:cNvCxnSpPr>
+              <a:cxnSpLocks/>
+            </p:cNvCxnSpPr>
+            <p:nvPr/>
+          </p:nvCxnSpPr>
+          <p:spPr>
+            <a:xfrm>
+              <a:off x="6687903" y="3690643"/>
+              <a:ext cx="1018270" cy="0"/>
+            </a:xfrm>
+            <a:prstGeom prst="line">
+              <a:avLst/>
+            </a:prstGeom>
+            <a:ln>
+              <a:prstDash val="dash"/>
+            </a:ln>
+          </p:spPr>
+          <p:style>
+            <a:lnRef idx="3">
+              <a:schemeClr val="dk1"/>
+            </a:lnRef>
+            <a:fillRef idx="0">
+              <a:schemeClr val="dk1"/>
+            </a:fillRef>
+            <a:effectRef idx="2">
+              <a:schemeClr val="dk1"/>
+            </a:effectRef>
+            <a:fontRef idx="minor">
+              <a:schemeClr val="tx1"/>
+            </a:fontRef>
+          </p:style>
+        </p:cxnSp>
+        <p:cxnSp>
+          <p:nvCxnSpPr>
+            <p:cNvPr id="44" name="Straight Connector 43">
+              <a:extLst>
+                <a:ext uri="{FF2B5EF4-FFF2-40B4-BE49-F238E27FC236}">
+                  <a16:creationId xmlns:a16="http://schemas.microsoft.com/office/drawing/2014/main" id="{8C5717F0-AAA2-B012-5508-204E4A21C28B}"/>
+                </a:ext>
+              </a:extLst>
+            </p:cNvPr>
+            <p:cNvCxnSpPr>
+              <a:cxnSpLocks/>
+            </p:cNvCxnSpPr>
+            <p:nvPr/>
+          </p:nvCxnSpPr>
+          <p:spPr>
+            <a:xfrm>
+              <a:off x="4386086" y="3247437"/>
+              <a:ext cx="75156" cy="212942"/>
+            </a:xfrm>
+            <a:prstGeom prst="line">
+              <a:avLst/>
+            </a:prstGeom>
+          </p:spPr>
+          <p:style>
+            <a:lnRef idx="3">
+              <a:schemeClr val="dk1"/>
+            </a:lnRef>
+            <a:fillRef idx="0">
+              <a:schemeClr val="dk1"/>
+            </a:fillRef>
+            <a:effectRef idx="2">
+              <a:schemeClr val="dk1"/>
+            </a:effectRef>
+            <a:fontRef idx="minor">
+              <a:schemeClr val="tx1"/>
+            </a:fontRef>
+          </p:style>
+        </p:cxnSp>
+        <p:cxnSp>
+          <p:nvCxnSpPr>
+            <p:cNvPr id="45" name="Straight Connector 44">
+              <a:extLst>
+                <a:ext uri="{FF2B5EF4-FFF2-40B4-BE49-F238E27FC236}">
+                  <a16:creationId xmlns:a16="http://schemas.microsoft.com/office/drawing/2014/main" id="{A98A1BBC-B856-BD6A-766B-0F48F0282E77}"/>
+                </a:ext>
+              </a:extLst>
+            </p:cNvPr>
+            <p:cNvCxnSpPr>
+              <a:cxnSpLocks/>
+            </p:cNvCxnSpPr>
+            <p:nvPr/>
+          </p:nvCxnSpPr>
+          <p:spPr>
+            <a:xfrm flipH="1">
+              <a:off x="4386086" y="3460379"/>
+              <a:ext cx="75156" cy="240083"/>
+            </a:xfrm>
+            <a:prstGeom prst="line">
+              <a:avLst/>
+            </a:prstGeom>
+          </p:spPr>
+          <p:style>
+            <a:lnRef idx="3">
+              <a:schemeClr val="dk1"/>
+            </a:lnRef>
+            <a:fillRef idx="0">
+              <a:schemeClr val="dk1"/>
+            </a:fillRef>
+            <a:effectRef idx="2">
+              <a:schemeClr val="dk1"/>
+            </a:effectRef>
+            <a:fontRef idx="minor">
+              <a:schemeClr val="tx1"/>
+            </a:fontRef>
+          </p:style>
+        </p:cxnSp>
+        <p:cxnSp>
+          <p:nvCxnSpPr>
+            <p:cNvPr id="55" name="Straight Arrow Connector 54">
+              <a:extLst>
+                <a:ext uri="{FF2B5EF4-FFF2-40B4-BE49-F238E27FC236}">
+                  <a16:creationId xmlns:a16="http://schemas.microsoft.com/office/drawing/2014/main" id="{E2F1A4A1-AEDB-9AEC-D5C9-6E4BFAC5B8F1}"/>
+                </a:ext>
+              </a:extLst>
+            </p:cNvPr>
+            <p:cNvCxnSpPr>
+              <a:cxnSpLocks/>
+            </p:cNvCxnSpPr>
+            <p:nvPr/>
+          </p:nvCxnSpPr>
+          <p:spPr>
+            <a:xfrm>
+              <a:off x="4021871" y="5625047"/>
+              <a:ext cx="2666032" cy="0"/>
+            </a:xfrm>
+            <a:prstGeom prst="straightConnector1">
+              <a:avLst/>
+            </a:prstGeom>
+            <a:ln>
+              <a:headEnd type="triangle"/>
+              <a:tailEnd type="triangle"/>
+            </a:ln>
+          </p:spPr>
+          <p:style>
+            <a:lnRef idx="1">
+              <a:schemeClr val="dk1"/>
+            </a:lnRef>
+            <a:fillRef idx="0">
+              <a:schemeClr val="dk1"/>
+            </a:fillRef>
+            <a:effectRef idx="0">
+              <a:schemeClr val="dk1"/>
+            </a:effectRef>
+            <a:fontRef idx="minor">
+              <a:schemeClr val="tx1"/>
+            </a:fontRef>
+          </p:style>
+        </p:cxnSp>
+        <p:sp>
+          <p:nvSpPr>
+            <p:cNvPr id="56" name="TextBox 55">
+              <a:extLst>
+                <a:ext uri="{FF2B5EF4-FFF2-40B4-BE49-F238E27FC236}">
+                  <a16:creationId xmlns:a16="http://schemas.microsoft.com/office/drawing/2014/main" id="{3748C1E7-0678-969F-B881-1256E62A3708}"/>
+                </a:ext>
+              </a:extLst>
+            </p:cNvPr>
+            <p:cNvSpPr txBox="1"/>
+            <p:nvPr/>
+          </p:nvSpPr>
+          <p:spPr>
+            <a:xfrm>
+              <a:off x="4008350" y="5343118"/>
+              <a:ext cx="2675891" cy="276999"/>
+            </a:xfrm>
+            <a:prstGeom prst="rect">
+              <a:avLst/>
+            </a:prstGeom>
+            <a:noFill/>
+          </p:spPr>
+          <p:txBody>
+            <a:bodyPr wrap="square" rtlCol="0">
+              <a:spAutoFit/>
+            </a:bodyPr>
+            <a:lstStyle/>
+            <a:p>
+              <a:pPr algn="ctr"/>
+              <a:r>
+                <a:rPr lang="en-GB" sz="1200" dirty="0"/>
+                <a:t>Clock Period (s) = </a:t>
+              </a:r>
+              <a:r>
+                <a:rPr lang="en-GB" sz="1200" i="1" dirty="0"/>
+                <a:t>T</a:t>
+              </a:r>
+              <a:r>
+                <a:rPr lang="en-GB" sz="1200" i="1" baseline="-25000" dirty="0"/>
+                <a:t>P</a:t>
+              </a:r>
+            </a:p>
+          </p:txBody>
+        </p:sp>
+        <p:grpSp>
+          <p:nvGrpSpPr>
+            <p:cNvPr id="57" name="Group 56">
+              <a:extLst>
+                <a:ext uri="{FF2B5EF4-FFF2-40B4-BE49-F238E27FC236}">
+                  <a16:creationId xmlns:a16="http://schemas.microsoft.com/office/drawing/2014/main" id="{28C99222-5B2C-EAFE-129C-5960D6AF554F}"/>
+                </a:ext>
+              </a:extLst>
+            </p:cNvPr>
+            <p:cNvGrpSpPr/>
+            <p:nvPr/>
+          </p:nvGrpSpPr>
+          <p:grpSpPr>
+            <a:xfrm>
+              <a:off x="2968877" y="3772983"/>
+              <a:ext cx="4790547" cy="1509224"/>
+              <a:chOff x="4368649" y="2490244"/>
+              <a:chExt cx="4790547" cy="1509224"/>
+            </a:xfrm>
+          </p:grpSpPr>
+          <p:sp>
+            <p:nvSpPr>
+              <p:cNvPr id="59" name="Rectangle 58">
+                <a:extLst>
+                  <a:ext uri="{FF2B5EF4-FFF2-40B4-BE49-F238E27FC236}">
+                    <a16:creationId xmlns:a16="http://schemas.microsoft.com/office/drawing/2014/main" id="{C514AF61-0B2A-3749-7708-65E936F3F606}"/>
+                  </a:ext>
+                </a:extLst>
+              </p:cNvPr>
+              <p:cNvSpPr/>
+              <p:nvPr/>
+            </p:nvSpPr>
+            <p:spPr>
+              <a:xfrm>
+                <a:off x="5117385" y="2908492"/>
+                <a:ext cx="581416" cy="756261"/>
+              </a:xfrm>
+              <a:prstGeom prst="rect">
+                <a:avLst/>
+              </a:prstGeom>
+              <a:solidFill>
+                <a:schemeClr val="bg1"/>
+              </a:solidFill>
+              <a:ln>
+                <a:solidFill>
+                  <a:srgbClr val="FF0000"/>
+                </a:solidFill>
+              </a:ln>
+            </p:spPr>
+            <p:style>
+              <a:lnRef idx="2">
+                <a:schemeClr val="accent1">
+                  <a:shade val="50000"/>
+                </a:schemeClr>
+              </a:lnRef>
+              <a:fillRef idx="1">
+                <a:schemeClr val="accent1"/>
+              </a:fillRef>
+              <a:effectRef idx="0">
+                <a:schemeClr val="accent1"/>
+              </a:effectRef>
+              <a:fontRef idx="minor">
+                <a:schemeClr val="lt1"/>
+              </a:fontRef>
+            </p:style>
+            <p:txBody>
+              <a:bodyPr rtlCol="0" anchor="ctr"/>
+              <a:lstStyle/>
+              <a:p>
+                <a:pPr algn="ctr"/>
+                <a:endParaRPr lang="en-GB"/>
+              </a:p>
+            </p:txBody>
+          </p:sp>
+          <p:grpSp>
+            <p:nvGrpSpPr>
+              <p:cNvPr id="60" name="Group 59">
+                <a:extLst>
+                  <a:ext uri="{FF2B5EF4-FFF2-40B4-BE49-F238E27FC236}">
+                    <a16:creationId xmlns:a16="http://schemas.microsoft.com/office/drawing/2014/main" id="{92C0757D-2421-77F2-8F33-D6334FBF425F}"/>
+                  </a:ext>
+                </a:extLst>
+              </p:cNvPr>
+              <p:cNvGrpSpPr/>
+              <p:nvPr/>
+            </p:nvGrpSpPr>
+            <p:grpSpPr>
+              <a:xfrm>
+                <a:off x="5111693" y="3374573"/>
+                <a:ext cx="118030" cy="208875"/>
+                <a:chOff x="8388570" y="2302315"/>
+                <a:chExt cx="61130" cy="108180"/>
+              </a:xfrm>
+            </p:grpSpPr>
+            <p:cxnSp>
+              <p:nvCxnSpPr>
+                <p:cNvPr id="78" name="Straight Connector 77">
+                  <a:extLst>
+                    <a:ext uri="{FF2B5EF4-FFF2-40B4-BE49-F238E27FC236}">
+                      <a16:creationId xmlns:a16="http://schemas.microsoft.com/office/drawing/2014/main" id="{2225FCF3-9458-81FD-A25D-2FBC72E98E50}"/>
+                    </a:ext>
+                  </a:extLst>
+                </p:cNvPr>
+                <p:cNvCxnSpPr>
+                  <a:cxnSpLocks/>
+                </p:cNvCxnSpPr>
+                <p:nvPr/>
+              </p:nvCxnSpPr>
+              <p:spPr>
+                <a:xfrm>
+                  <a:off x="8391518" y="2302315"/>
+                  <a:ext cx="58182" cy="56934"/>
+                </a:xfrm>
+                <a:prstGeom prst="line">
+                  <a:avLst/>
+                </a:prstGeom>
+                <a:ln>
+                  <a:solidFill>
+                    <a:srgbClr val="FF0000"/>
+                  </a:solidFill>
+                </a:ln>
+              </p:spPr>
+              <p:style>
+                <a:lnRef idx="1">
+                  <a:schemeClr val="accent1"/>
+                </a:lnRef>
+                <a:fillRef idx="0">
+                  <a:schemeClr val="accent1"/>
+                </a:fillRef>
+                <a:effectRef idx="0">
+                  <a:schemeClr val="accent1"/>
+                </a:effectRef>
+                <a:fontRef idx="minor">
+                  <a:schemeClr val="tx1"/>
+                </a:fontRef>
+              </p:style>
+            </p:cxnSp>
+            <p:cxnSp>
+              <p:nvCxnSpPr>
+                <p:cNvPr id="79" name="Straight Connector 78">
+                  <a:extLst>
+                    <a:ext uri="{FF2B5EF4-FFF2-40B4-BE49-F238E27FC236}">
+                      <a16:creationId xmlns:a16="http://schemas.microsoft.com/office/drawing/2014/main" id="{93CE2D46-99A2-562E-F7CC-FE7B2BE1F361}"/>
+                    </a:ext>
+                  </a:extLst>
+                </p:cNvPr>
+                <p:cNvCxnSpPr>
+                  <a:cxnSpLocks/>
+                </p:cNvCxnSpPr>
+                <p:nvPr/>
+              </p:nvCxnSpPr>
+              <p:spPr>
+                <a:xfrm flipV="1">
+                  <a:off x="8388570" y="2359249"/>
+                  <a:ext cx="61130" cy="51246"/>
+                </a:xfrm>
+                <a:prstGeom prst="line">
+                  <a:avLst/>
+                </a:prstGeom>
+                <a:ln>
+                  <a:solidFill>
+                    <a:srgbClr val="FF0000"/>
+                  </a:solidFill>
+                </a:ln>
+              </p:spPr>
+              <p:style>
+                <a:lnRef idx="1">
+                  <a:schemeClr val="accent1"/>
+                </a:lnRef>
+                <a:fillRef idx="0">
+                  <a:schemeClr val="accent1"/>
+                </a:fillRef>
+                <a:effectRef idx="0">
+                  <a:schemeClr val="accent1"/>
+                </a:effectRef>
+                <a:fontRef idx="minor">
+                  <a:schemeClr val="tx1"/>
+                </a:fontRef>
+              </p:style>
+            </p:cxnSp>
+          </p:grpSp>
+          <p:sp>
+            <p:nvSpPr>
+              <p:cNvPr id="61" name="TextBox 60">
+                <a:extLst>
+                  <a:ext uri="{FF2B5EF4-FFF2-40B4-BE49-F238E27FC236}">
+                    <a16:creationId xmlns:a16="http://schemas.microsoft.com/office/drawing/2014/main" id="{DC1564E0-7779-D63B-182D-E8C533FA53DA}"/>
+                  </a:ext>
+                </a:extLst>
+              </p:cNvPr>
+              <p:cNvSpPr txBox="1"/>
+              <p:nvPr/>
+            </p:nvSpPr>
+            <p:spPr>
+              <a:xfrm>
+                <a:off x="5066056" y="2866588"/>
+                <a:ext cx="327334" cy="369332"/>
+              </a:xfrm>
+              <a:prstGeom prst="rect">
+                <a:avLst/>
+              </a:prstGeom>
+              <a:noFill/>
+            </p:spPr>
+            <p:txBody>
+              <a:bodyPr wrap="none" rtlCol="0">
+                <a:spAutoFit/>
+              </a:bodyPr>
+              <a:lstStyle/>
+              <a:p>
+                <a:r>
+                  <a:rPr lang="en-GB" dirty="0"/>
+                  <a:t>D</a:t>
+                </a:r>
+              </a:p>
+            </p:txBody>
+          </p:sp>
+          <p:sp>
+            <p:nvSpPr>
+              <p:cNvPr id="62" name="TextBox 61">
+                <a:extLst>
+                  <a:ext uri="{FF2B5EF4-FFF2-40B4-BE49-F238E27FC236}">
+                    <a16:creationId xmlns:a16="http://schemas.microsoft.com/office/drawing/2014/main" id="{415D4C73-2CD1-855B-8EAC-F19A1F4A9130}"/>
+                  </a:ext>
+                </a:extLst>
+              </p:cNvPr>
+              <p:cNvSpPr txBox="1"/>
+              <p:nvPr/>
+            </p:nvSpPr>
+            <p:spPr>
+              <a:xfrm>
+                <a:off x="5367727" y="2866588"/>
+                <a:ext cx="340158" cy="369332"/>
+              </a:xfrm>
+              <a:prstGeom prst="rect">
+                <a:avLst/>
+              </a:prstGeom>
+              <a:noFill/>
+            </p:spPr>
+            <p:txBody>
+              <a:bodyPr wrap="none" rtlCol="0">
+                <a:spAutoFit/>
+              </a:bodyPr>
+              <a:lstStyle/>
+              <a:p>
+                <a:pPr algn="r"/>
+                <a:r>
+                  <a:rPr lang="en-GB" dirty="0"/>
+                  <a:t>Q</a:t>
+                </a:r>
+              </a:p>
+            </p:txBody>
+          </p:sp>
+          <p:cxnSp>
+            <p:nvCxnSpPr>
+              <p:cNvPr id="63" name="Straight Connector 62">
+                <a:extLst>
+                  <a:ext uri="{FF2B5EF4-FFF2-40B4-BE49-F238E27FC236}">
+                    <a16:creationId xmlns:a16="http://schemas.microsoft.com/office/drawing/2014/main" id="{576C3527-3312-73B8-AA3A-B9A6138DCE30}"/>
+                  </a:ext>
+                </a:extLst>
+              </p:cNvPr>
+              <p:cNvCxnSpPr>
+                <a:cxnSpLocks/>
+              </p:cNvCxnSpPr>
+              <p:nvPr/>
+            </p:nvCxnSpPr>
+            <p:spPr>
+              <a:xfrm>
+                <a:off x="4368649" y="3042976"/>
+                <a:ext cx="748736" cy="0"/>
+              </a:xfrm>
+              <a:prstGeom prst="line">
+                <a:avLst/>
+              </a:prstGeom>
+              <a:ln>
+                <a:solidFill>
+                  <a:schemeClr val="tx1"/>
+                </a:solidFill>
+              </a:ln>
+            </p:spPr>
+            <p:style>
+              <a:lnRef idx="1">
+                <a:schemeClr val="accent1"/>
+              </a:lnRef>
+              <a:fillRef idx="0">
+                <a:schemeClr val="accent1"/>
+              </a:fillRef>
+              <a:effectRef idx="0">
+                <a:schemeClr val="accent1"/>
+              </a:effectRef>
+              <a:fontRef idx="minor">
+                <a:schemeClr val="tx1"/>
+              </a:fontRef>
+            </p:style>
+          </p:cxnSp>
+          <p:cxnSp>
+            <p:nvCxnSpPr>
+              <p:cNvPr id="64" name="Straight Connector 63">
+                <a:extLst>
+                  <a:ext uri="{FF2B5EF4-FFF2-40B4-BE49-F238E27FC236}">
+                    <a16:creationId xmlns:a16="http://schemas.microsoft.com/office/drawing/2014/main" id="{318ED503-C184-BEA6-B942-2F1913C9620C}"/>
+                  </a:ext>
+                </a:extLst>
+              </p:cNvPr>
+              <p:cNvCxnSpPr>
+                <a:cxnSpLocks/>
+              </p:cNvCxnSpPr>
+              <p:nvPr/>
+            </p:nvCxnSpPr>
+            <p:spPr>
+              <a:xfrm>
+                <a:off x="5696374" y="3034919"/>
+                <a:ext cx="2129824" cy="0"/>
+              </a:xfrm>
+              <a:prstGeom prst="line">
+                <a:avLst/>
+              </a:prstGeom>
+              <a:ln>
+                <a:solidFill>
+                  <a:schemeClr val="tx1"/>
+                </a:solidFill>
+              </a:ln>
+            </p:spPr>
+            <p:style>
+              <a:lnRef idx="1">
+                <a:schemeClr val="accent1"/>
+              </a:lnRef>
+              <a:fillRef idx="0">
+                <a:schemeClr val="accent1"/>
+              </a:fillRef>
+              <a:effectRef idx="0">
+                <a:schemeClr val="accent1"/>
+              </a:effectRef>
+              <a:fontRef idx="minor">
+                <a:schemeClr val="tx1"/>
+              </a:fontRef>
+            </p:style>
+          </p:cxnSp>
+          <p:cxnSp>
+            <p:nvCxnSpPr>
+              <p:cNvPr id="65" name="Straight Connector 64">
+                <a:extLst>
+                  <a:ext uri="{FF2B5EF4-FFF2-40B4-BE49-F238E27FC236}">
+                    <a16:creationId xmlns:a16="http://schemas.microsoft.com/office/drawing/2014/main" id="{E8EF187E-F4F8-8482-1E6C-34BC2CCB73AC}"/>
+                  </a:ext>
+                </a:extLst>
+              </p:cNvPr>
+              <p:cNvCxnSpPr>
+                <a:cxnSpLocks/>
+              </p:cNvCxnSpPr>
+              <p:nvPr/>
+            </p:nvCxnSpPr>
+            <p:spPr>
+              <a:xfrm>
+                <a:off x="4912930" y="3479011"/>
+                <a:ext cx="198763" cy="0"/>
+              </a:xfrm>
+              <a:prstGeom prst="line">
+                <a:avLst/>
+              </a:prstGeom>
+              <a:ln>
+                <a:solidFill>
+                  <a:schemeClr val="tx1"/>
+                </a:solidFill>
+              </a:ln>
+            </p:spPr>
+            <p:style>
+              <a:lnRef idx="1">
+                <a:schemeClr val="accent1"/>
+              </a:lnRef>
+              <a:fillRef idx="0">
+                <a:schemeClr val="accent1"/>
+              </a:fillRef>
+              <a:effectRef idx="0">
+                <a:schemeClr val="accent1"/>
+              </a:effectRef>
+              <a:fontRef idx="minor">
+                <a:schemeClr val="tx1"/>
+              </a:fontRef>
+            </p:style>
+          </p:cxnSp>
+          <p:cxnSp>
+            <p:nvCxnSpPr>
+              <p:cNvPr id="66" name="Straight Connector 65">
+                <a:extLst>
+                  <a:ext uri="{FF2B5EF4-FFF2-40B4-BE49-F238E27FC236}">
+                    <a16:creationId xmlns:a16="http://schemas.microsoft.com/office/drawing/2014/main" id="{B3251EB5-8EBA-AB34-678A-47D36A22A973}"/>
+                  </a:ext>
+                </a:extLst>
+              </p:cNvPr>
+              <p:cNvCxnSpPr>
+                <a:cxnSpLocks/>
+              </p:cNvCxnSpPr>
+              <p:nvPr/>
+            </p:nvCxnSpPr>
+            <p:spPr>
+              <a:xfrm flipV="1">
+                <a:off x="4911892" y="3479011"/>
+                <a:ext cx="0" cy="520457"/>
+              </a:xfrm>
+              <a:prstGeom prst="line">
+                <a:avLst/>
+              </a:prstGeom>
+              <a:ln>
+                <a:solidFill>
+                  <a:schemeClr val="tx1"/>
+                </a:solidFill>
+              </a:ln>
+            </p:spPr>
+            <p:style>
+              <a:lnRef idx="1">
+                <a:schemeClr val="accent1"/>
+              </a:lnRef>
+              <a:fillRef idx="0">
+                <a:schemeClr val="accent1"/>
+              </a:fillRef>
+              <a:effectRef idx="0">
+                <a:schemeClr val="accent1"/>
+              </a:effectRef>
+              <a:fontRef idx="minor">
+                <a:schemeClr val="tx1"/>
+              </a:fontRef>
+            </p:style>
+          </p:cxnSp>
+          <p:cxnSp>
+            <p:nvCxnSpPr>
+              <p:cNvPr id="67" name="Straight Connector 66">
+                <a:extLst>
+                  <a:ext uri="{FF2B5EF4-FFF2-40B4-BE49-F238E27FC236}">
+                    <a16:creationId xmlns:a16="http://schemas.microsoft.com/office/drawing/2014/main" id="{D8DDCBDE-DC36-B8AE-C012-DD93EBD0589A}"/>
+                  </a:ext>
+                </a:extLst>
+              </p:cNvPr>
+              <p:cNvCxnSpPr>
+                <a:cxnSpLocks/>
+              </p:cNvCxnSpPr>
+              <p:nvPr/>
+            </p:nvCxnSpPr>
+            <p:spPr>
+              <a:xfrm>
+                <a:off x="4648362" y="3999468"/>
+                <a:ext cx="2978674" cy="0"/>
+              </a:xfrm>
+              <a:prstGeom prst="line">
+                <a:avLst/>
+              </a:prstGeom>
+              <a:ln>
+                <a:solidFill>
+                  <a:schemeClr val="tx1"/>
+                </a:solidFill>
+              </a:ln>
+            </p:spPr>
+            <p:style>
+              <a:lnRef idx="1">
+                <a:schemeClr val="accent1"/>
+              </a:lnRef>
+              <a:fillRef idx="0">
+                <a:schemeClr val="accent1"/>
+              </a:fillRef>
+              <a:effectRef idx="0">
+                <a:schemeClr val="accent1"/>
+              </a:effectRef>
+              <a:fontRef idx="minor">
+                <a:schemeClr val="tx1"/>
+              </a:fontRef>
+            </p:style>
+          </p:cxnSp>
+          <p:sp>
+            <p:nvSpPr>
+              <p:cNvPr id="68" name="Rectangle 67">
+                <a:extLst>
+                  <a:ext uri="{FF2B5EF4-FFF2-40B4-BE49-F238E27FC236}">
+                    <a16:creationId xmlns:a16="http://schemas.microsoft.com/office/drawing/2014/main" id="{CA684741-4F50-3301-6442-B0B2AC7179D2}"/>
+                  </a:ext>
+                </a:extLst>
+              </p:cNvPr>
+              <p:cNvSpPr/>
+              <p:nvPr/>
+            </p:nvSpPr>
+            <p:spPr>
+              <a:xfrm>
+                <a:off x="7829044" y="2900434"/>
+                <a:ext cx="581416" cy="756261"/>
+              </a:xfrm>
+              <a:prstGeom prst="rect">
+                <a:avLst/>
+              </a:prstGeom>
+              <a:solidFill>
+                <a:schemeClr val="bg1"/>
+              </a:solidFill>
+              <a:ln>
+                <a:solidFill>
+                  <a:srgbClr val="FF0000"/>
+                </a:solidFill>
+              </a:ln>
+            </p:spPr>
+            <p:style>
+              <a:lnRef idx="2">
+                <a:schemeClr val="accent1">
+                  <a:shade val="50000"/>
+                </a:schemeClr>
+              </a:lnRef>
+              <a:fillRef idx="1">
+                <a:schemeClr val="accent1"/>
+              </a:fillRef>
+              <a:effectRef idx="0">
+                <a:schemeClr val="accent1"/>
+              </a:effectRef>
+              <a:fontRef idx="minor">
+                <a:schemeClr val="lt1"/>
+              </a:fontRef>
+            </p:style>
+            <p:txBody>
+              <a:bodyPr rtlCol="0" anchor="ctr"/>
+              <a:lstStyle/>
+              <a:p>
+                <a:pPr algn="ctr"/>
+                <a:endParaRPr lang="en-GB"/>
+              </a:p>
+            </p:txBody>
+          </p:sp>
+          <p:grpSp>
+            <p:nvGrpSpPr>
+              <p:cNvPr id="69" name="Group 68">
+                <a:extLst>
+                  <a:ext uri="{FF2B5EF4-FFF2-40B4-BE49-F238E27FC236}">
+                    <a16:creationId xmlns:a16="http://schemas.microsoft.com/office/drawing/2014/main" id="{3E6A0D11-214A-6580-15A8-183F3A32738F}"/>
+                  </a:ext>
+                </a:extLst>
+              </p:cNvPr>
+              <p:cNvGrpSpPr/>
+              <p:nvPr/>
+            </p:nvGrpSpPr>
+            <p:grpSpPr>
+              <a:xfrm>
+                <a:off x="7823352" y="3366516"/>
+                <a:ext cx="118030" cy="208875"/>
+                <a:chOff x="8388570" y="2302315"/>
+                <a:chExt cx="61130" cy="108180"/>
+              </a:xfrm>
+            </p:grpSpPr>
+            <p:cxnSp>
+              <p:nvCxnSpPr>
+                <p:cNvPr id="76" name="Straight Connector 75">
+                  <a:extLst>
+                    <a:ext uri="{FF2B5EF4-FFF2-40B4-BE49-F238E27FC236}">
+                      <a16:creationId xmlns:a16="http://schemas.microsoft.com/office/drawing/2014/main" id="{379C1549-A9B4-A73B-BCD4-EDFC0EB64E39}"/>
+                    </a:ext>
+                  </a:extLst>
+                </p:cNvPr>
+                <p:cNvCxnSpPr>
+                  <a:cxnSpLocks/>
+                </p:cNvCxnSpPr>
+                <p:nvPr/>
+              </p:nvCxnSpPr>
+              <p:spPr>
+                <a:xfrm>
+                  <a:off x="8391518" y="2302315"/>
+                  <a:ext cx="58182" cy="56934"/>
+                </a:xfrm>
+                <a:prstGeom prst="line">
+                  <a:avLst/>
+                </a:prstGeom>
+                <a:ln>
+                  <a:solidFill>
+                    <a:srgbClr val="FF0000"/>
+                  </a:solidFill>
+                </a:ln>
+              </p:spPr>
+              <p:style>
+                <a:lnRef idx="1">
+                  <a:schemeClr val="accent1"/>
+                </a:lnRef>
+                <a:fillRef idx="0">
+                  <a:schemeClr val="accent1"/>
+                </a:fillRef>
+                <a:effectRef idx="0">
+                  <a:schemeClr val="accent1"/>
+                </a:effectRef>
+                <a:fontRef idx="minor">
+                  <a:schemeClr val="tx1"/>
+                </a:fontRef>
+              </p:style>
+            </p:cxnSp>
+            <p:cxnSp>
+              <p:nvCxnSpPr>
+                <p:cNvPr id="77" name="Straight Connector 76">
+                  <a:extLst>
+                    <a:ext uri="{FF2B5EF4-FFF2-40B4-BE49-F238E27FC236}">
+                      <a16:creationId xmlns:a16="http://schemas.microsoft.com/office/drawing/2014/main" id="{7CE93371-A33A-DEFD-106C-491E8846A458}"/>
+                    </a:ext>
+                  </a:extLst>
+                </p:cNvPr>
+                <p:cNvCxnSpPr>
+                  <a:cxnSpLocks/>
+                </p:cNvCxnSpPr>
+                <p:nvPr/>
+              </p:nvCxnSpPr>
+              <p:spPr>
+                <a:xfrm flipV="1">
+                  <a:off x="8388570" y="2359249"/>
+                  <a:ext cx="61130" cy="51246"/>
+                </a:xfrm>
+                <a:prstGeom prst="line">
+                  <a:avLst/>
+                </a:prstGeom>
+                <a:ln>
+                  <a:solidFill>
+                    <a:srgbClr val="FF0000"/>
+                  </a:solidFill>
+                </a:ln>
+              </p:spPr>
+              <p:style>
+                <a:lnRef idx="1">
+                  <a:schemeClr val="accent1"/>
+                </a:lnRef>
+                <a:fillRef idx="0">
+                  <a:schemeClr val="accent1"/>
+                </a:fillRef>
+                <a:effectRef idx="0">
+                  <a:schemeClr val="accent1"/>
+                </a:effectRef>
+                <a:fontRef idx="minor">
+                  <a:schemeClr val="tx1"/>
+                </a:fontRef>
+              </p:style>
+            </p:cxnSp>
+          </p:grpSp>
+          <p:sp>
+            <p:nvSpPr>
+              <p:cNvPr id="70" name="TextBox 69">
+                <a:extLst>
+                  <a:ext uri="{FF2B5EF4-FFF2-40B4-BE49-F238E27FC236}">
+                    <a16:creationId xmlns:a16="http://schemas.microsoft.com/office/drawing/2014/main" id="{70F23108-D971-2574-1F3C-E1F66E69EA34}"/>
+                  </a:ext>
+                </a:extLst>
+              </p:cNvPr>
+              <p:cNvSpPr txBox="1"/>
+              <p:nvPr/>
+            </p:nvSpPr>
+            <p:spPr>
+              <a:xfrm>
+                <a:off x="7777714" y="2858531"/>
+                <a:ext cx="327334" cy="369332"/>
+              </a:xfrm>
+              <a:prstGeom prst="rect">
+                <a:avLst/>
+              </a:prstGeom>
+              <a:noFill/>
+            </p:spPr>
+            <p:txBody>
+              <a:bodyPr wrap="none" rtlCol="0">
+                <a:spAutoFit/>
+              </a:bodyPr>
+              <a:lstStyle/>
+              <a:p>
+                <a:r>
+                  <a:rPr lang="en-GB" dirty="0"/>
+                  <a:t>D</a:t>
+                </a:r>
+              </a:p>
+            </p:txBody>
+          </p:sp>
+          <p:sp>
+            <p:nvSpPr>
+              <p:cNvPr id="71" name="TextBox 70">
+                <a:extLst>
+                  <a:ext uri="{FF2B5EF4-FFF2-40B4-BE49-F238E27FC236}">
+                    <a16:creationId xmlns:a16="http://schemas.microsoft.com/office/drawing/2014/main" id="{B1FFB122-B422-9290-913F-D5B8707F4BB6}"/>
+                  </a:ext>
+                </a:extLst>
+              </p:cNvPr>
+              <p:cNvSpPr txBox="1"/>
+              <p:nvPr/>
+            </p:nvSpPr>
+            <p:spPr>
+              <a:xfrm>
+                <a:off x="8087675" y="2858531"/>
+                <a:ext cx="340158" cy="369332"/>
+              </a:xfrm>
+              <a:prstGeom prst="rect">
+                <a:avLst/>
+              </a:prstGeom>
+              <a:noFill/>
+            </p:spPr>
+            <p:txBody>
+              <a:bodyPr wrap="none" rtlCol="0">
+                <a:spAutoFit/>
+              </a:bodyPr>
+              <a:lstStyle/>
+              <a:p>
+                <a:pPr algn="r"/>
+                <a:r>
+                  <a:rPr lang="en-GB" dirty="0"/>
+                  <a:t>Q</a:t>
+                </a:r>
+              </a:p>
+            </p:txBody>
+          </p:sp>
+          <p:cxnSp>
+            <p:nvCxnSpPr>
+              <p:cNvPr id="72" name="Straight Connector 71">
+                <a:extLst>
+                  <a:ext uri="{FF2B5EF4-FFF2-40B4-BE49-F238E27FC236}">
+                    <a16:creationId xmlns:a16="http://schemas.microsoft.com/office/drawing/2014/main" id="{A15E97F6-0DC9-D582-27A9-AB97B249F586}"/>
+                  </a:ext>
+                </a:extLst>
+              </p:cNvPr>
+              <p:cNvCxnSpPr>
+                <a:cxnSpLocks/>
+              </p:cNvCxnSpPr>
+              <p:nvPr/>
+            </p:nvCxnSpPr>
+            <p:spPr>
+              <a:xfrm>
+                <a:off x="8410460" y="3034919"/>
+                <a:ext cx="748736" cy="0"/>
+              </a:xfrm>
+              <a:prstGeom prst="line">
+                <a:avLst/>
+              </a:prstGeom>
+              <a:ln>
+                <a:solidFill>
+                  <a:schemeClr val="tx1"/>
+                </a:solidFill>
+              </a:ln>
+            </p:spPr>
+            <p:style>
+              <a:lnRef idx="1">
+                <a:schemeClr val="accent1"/>
+              </a:lnRef>
+              <a:fillRef idx="0">
+                <a:schemeClr val="accent1"/>
+              </a:fillRef>
+              <a:effectRef idx="0">
+                <a:schemeClr val="accent1"/>
+              </a:effectRef>
+              <a:fontRef idx="minor">
+                <a:schemeClr val="tx1"/>
+              </a:fontRef>
+            </p:style>
+          </p:cxnSp>
+          <p:cxnSp>
+            <p:nvCxnSpPr>
+              <p:cNvPr id="73" name="Straight Connector 72">
+                <a:extLst>
+                  <a:ext uri="{FF2B5EF4-FFF2-40B4-BE49-F238E27FC236}">
+                    <a16:creationId xmlns:a16="http://schemas.microsoft.com/office/drawing/2014/main" id="{35E59CC8-BC20-FABA-2EEB-CF65C49A7776}"/>
+                  </a:ext>
+                </a:extLst>
+              </p:cNvPr>
+              <p:cNvCxnSpPr>
+                <a:cxnSpLocks/>
+              </p:cNvCxnSpPr>
+              <p:nvPr/>
+            </p:nvCxnSpPr>
+            <p:spPr>
+              <a:xfrm>
+                <a:off x="7624588" y="3470954"/>
+                <a:ext cx="198763" cy="0"/>
+              </a:xfrm>
+              <a:prstGeom prst="line">
+                <a:avLst/>
+              </a:prstGeom>
+              <a:ln>
+                <a:solidFill>
+                  <a:schemeClr val="tx1"/>
+                </a:solidFill>
+              </a:ln>
+            </p:spPr>
+            <p:style>
+              <a:lnRef idx="1">
+                <a:schemeClr val="accent1"/>
+              </a:lnRef>
+              <a:fillRef idx="0">
+                <a:schemeClr val="accent1"/>
+              </a:fillRef>
+              <a:effectRef idx="0">
+                <a:schemeClr val="accent1"/>
+              </a:effectRef>
+              <a:fontRef idx="minor">
+                <a:schemeClr val="tx1"/>
+              </a:fontRef>
+            </p:style>
+          </p:cxnSp>
+          <p:cxnSp>
+            <p:nvCxnSpPr>
+              <p:cNvPr id="74" name="Straight Connector 73">
+                <a:extLst>
+                  <a:ext uri="{FF2B5EF4-FFF2-40B4-BE49-F238E27FC236}">
+                    <a16:creationId xmlns:a16="http://schemas.microsoft.com/office/drawing/2014/main" id="{AE1E8B4B-EE1B-BA3F-BB87-9948A54C1EC6}"/>
+                  </a:ext>
+                </a:extLst>
+              </p:cNvPr>
+              <p:cNvCxnSpPr>
+                <a:cxnSpLocks/>
+              </p:cNvCxnSpPr>
+              <p:nvPr/>
+            </p:nvCxnSpPr>
+            <p:spPr>
+              <a:xfrm flipV="1">
+                <a:off x="7624588" y="3470954"/>
+                <a:ext cx="0" cy="528514"/>
+              </a:xfrm>
+              <a:prstGeom prst="line">
+                <a:avLst/>
+              </a:prstGeom>
+              <a:ln>
+                <a:solidFill>
+                  <a:schemeClr val="tx1"/>
+                </a:solidFill>
+              </a:ln>
+            </p:spPr>
+            <p:style>
+              <a:lnRef idx="1">
+                <a:schemeClr val="accent1"/>
+              </a:lnRef>
+              <a:fillRef idx="0">
+                <a:schemeClr val="accent1"/>
+              </a:fillRef>
+              <a:effectRef idx="0">
+                <a:schemeClr val="accent1"/>
+              </a:effectRef>
+              <a:fontRef idx="minor">
+                <a:schemeClr val="tx1"/>
+              </a:fontRef>
+            </p:style>
+          </p:cxnSp>
+          <p:sp>
+            <p:nvSpPr>
+              <p:cNvPr id="75" name="Explosion: 14 Points 74">
+                <a:extLst>
+                  <a:ext uri="{FF2B5EF4-FFF2-40B4-BE49-F238E27FC236}">
+                    <a16:creationId xmlns:a16="http://schemas.microsoft.com/office/drawing/2014/main" id="{CE35CE4B-1D00-E987-BB65-B802FB896D63}"/>
+                  </a:ext>
+                </a:extLst>
+              </p:cNvPr>
+              <p:cNvSpPr/>
+              <p:nvPr/>
+            </p:nvSpPr>
+            <p:spPr>
+              <a:xfrm>
+                <a:off x="5963418" y="2490244"/>
+                <a:ext cx="1199936" cy="1122019"/>
+              </a:xfrm>
+              <a:prstGeom prst="irregularSeal2">
+                <a:avLst/>
+              </a:prstGeom>
+              <a:solidFill>
+                <a:schemeClr val="bg1"/>
+              </a:solidFill>
+              <a:ln>
+                <a:solidFill>
+                  <a:schemeClr val="tx1"/>
+                </a:solidFill>
+              </a:ln>
+            </p:spPr>
+            <p:style>
+              <a:lnRef idx="2">
+                <a:schemeClr val="accent1">
+                  <a:shade val="50000"/>
+                </a:schemeClr>
+              </a:lnRef>
+              <a:fillRef idx="1">
+                <a:schemeClr val="accent1"/>
+              </a:fillRef>
+              <a:effectRef idx="0">
+                <a:schemeClr val="accent1"/>
+              </a:effectRef>
+              <a:fontRef idx="minor">
+                <a:schemeClr val="lt1"/>
+              </a:fontRef>
+            </p:style>
+            <p:txBody>
+              <a:bodyPr rtlCol="0" anchor="ctr"/>
+              <a:lstStyle/>
+              <a:p>
+                <a:pPr algn="ctr"/>
+                <a:endParaRPr lang="en-GB"/>
+              </a:p>
+            </p:txBody>
+          </p:sp>
+        </p:grpSp>
+        <p:sp>
+          <p:nvSpPr>
+            <p:cNvPr id="84" name="TextBox 83">
+              <a:extLst>
+                <a:ext uri="{FF2B5EF4-FFF2-40B4-BE49-F238E27FC236}">
+                  <a16:creationId xmlns:a16="http://schemas.microsoft.com/office/drawing/2014/main" id="{9DEFD3D7-1B0F-6DD3-2774-65CEDC3272DC}"/>
+                </a:ext>
+              </a:extLst>
+            </p:cNvPr>
+            <p:cNvSpPr txBox="1"/>
+            <p:nvPr/>
+          </p:nvSpPr>
+          <p:spPr>
+            <a:xfrm>
+              <a:off x="4017326" y="3321878"/>
+              <a:ext cx="386456" cy="276999"/>
+            </a:xfrm>
+            <a:prstGeom prst="rect">
+              <a:avLst/>
+            </a:prstGeom>
+            <a:noFill/>
+          </p:spPr>
+          <p:txBody>
+            <a:bodyPr wrap="square" rtlCol="0">
+              <a:spAutoFit/>
+            </a:bodyPr>
+            <a:lstStyle/>
+            <a:p>
+              <a:pPr algn="ctr"/>
+              <a:r>
+                <a:rPr lang="en-GB" sz="1200" i="1" dirty="0"/>
+                <a:t>T</a:t>
+              </a:r>
+              <a:r>
+                <a:rPr lang="en-GB" sz="1200" i="1" baseline="-25000" dirty="0"/>
+                <a:t>H</a:t>
+              </a:r>
+            </a:p>
+          </p:txBody>
+        </p:sp>
+      </p:grpSp>
+      <mc:AlternateContent xmlns:mc="http://schemas.openxmlformats.org/markup-compatibility/2006">
+        <mc:Choice xmlns:a14="http://schemas.microsoft.com/office/drawing/2010/main" Requires="a14">
+          <p:sp>
+            <p:nvSpPr>
+              <p:cNvPr id="86" name="TextBox 85">
+                <a:extLst>
+                  <a:ext uri="{FF2B5EF4-FFF2-40B4-BE49-F238E27FC236}">
+                    <a16:creationId xmlns:a16="http://schemas.microsoft.com/office/drawing/2014/main" id="{3B66B084-EBB3-2D21-8A28-82543A7CC9E8}"/>
+                  </a:ext>
+                </a:extLst>
+              </p:cNvPr>
+              <p:cNvSpPr txBox="1"/>
+              <p:nvPr/>
+            </p:nvSpPr>
+            <p:spPr>
+              <a:xfrm>
+                <a:off x="6987718" y="2732990"/>
+                <a:ext cx="4366082" cy="3010761"/>
+              </a:xfrm>
+              <a:prstGeom prst="rect">
+                <a:avLst/>
+              </a:prstGeom>
+              <a:noFill/>
+            </p:spPr>
+            <p:txBody>
+              <a:bodyPr wrap="square" rtlCol="0">
+                <a:spAutoFit/>
+              </a:bodyPr>
+              <a:lstStyle/>
+              <a:p>
+                <a:r>
+                  <a:rPr lang="en-GB" sz="1800" dirty="0"/>
+                  <a:t>Setup time before clock edge = </a:t>
+                </a:r>
+                <a:r>
+                  <a:rPr lang="en-GB" sz="1800" i="1" dirty="0"/>
+                  <a:t>T</a:t>
+                </a:r>
+                <a:r>
+                  <a:rPr lang="en-GB" sz="1800" i="1" baseline="-25000" dirty="0"/>
+                  <a:t>SU</a:t>
+                </a:r>
+              </a:p>
+              <a:p>
+                <a:endParaRPr lang="en-GB" sz="1800" dirty="0"/>
+              </a:p>
+              <a:p>
+                <a:r>
+                  <a:rPr lang="en-GB" sz="1800" dirty="0"/>
+                  <a:t>Hold time after clock edge = </a:t>
+                </a:r>
+                <a:r>
+                  <a:rPr lang="en-GB" sz="1800" i="1" dirty="0"/>
+                  <a:t>T</a:t>
+                </a:r>
+                <a:r>
+                  <a:rPr lang="en-GB" sz="1800" i="1" baseline="-25000" dirty="0"/>
+                  <a:t>H</a:t>
+                </a:r>
+              </a:p>
+              <a:p>
+                <a:endParaRPr lang="en-GB" sz="1800" dirty="0"/>
+              </a:p>
+              <a:p>
+                <a:r>
+                  <a:rPr lang="en-GB" b="1" dirty="0"/>
+                  <a:t>Maximum clock frequency:</a:t>
+                </a:r>
+                <a:endParaRPr lang="en-GB" dirty="0"/>
+              </a:p>
+              <a:p>
+                <a:pPr algn="ctr"/>
+                <a14:m>
+                  <m:oMath xmlns:m="http://schemas.openxmlformats.org/officeDocument/2006/math">
+                    <m:sSub>
+                      <m:sSubPr>
+                        <m:ctrlPr>
+                          <a:rPr lang="en-GB" b="0" i="1" smtClean="0">
+                            <a:latin typeface="Cambria Math" panose="02040503050406030204" pitchFamily="18" charset="0"/>
+                            <a:ea typeface="Cambria Math" panose="02040503050406030204" pitchFamily="18" charset="0"/>
+                          </a:rPr>
+                        </m:ctrlPr>
+                      </m:sSubPr>
+                      <m:e>
+                        <m:r>
+                          <a:rPr lang="en-GB" b="0" i="1" smtClean="0">
+                            <a:latin typeface="Cambria Math" panose="02040503050406030204" pitchFamily="18" charset="0"/>
+                            <a:ea typeface="Cambria Math" panose="02040503050406030204" pitchFamily="18" charset="0"/>
+                          </a:rPr>
+                          <m:t>𝑓</m:t>
+                        </m:r>
+                      </m:e>
+                      <m:sub>
+                        <m:r>
+                          <a:rPr lang="en-GB" b="0" i="1" smtClean="0">
+                            <a:latin typeface="Cambria Math" panose="02040503050406030204" pitchFamily="18" charset="0"/>
+                            <a:ea typeface="Cambria Math" panose="02040503050406030204" pitchFamily="18" charset="0"/>
+                          </a:rPr>
+                          <m:t>𝑚𝑎𝑥</m:t>
+                        </m:r>
+                      </m:sub>
+                    </m:sSub>
+                    <m:r>
+                      <a:rPr lang="en-GB" i="1" smtClean="0">
+                        <a:latin typeface="Cambria Math" panose="02040503050406030204" pitchFamily="18" charset="0"/>
+                        <a:ea typeface="Cambria Math" panose="02040503050406030204" pitchFamily="18" charset="0"/>
+                      </a:rPr>
+                      <m:t>=</m:t>
+                    </m:r>
+                    <m:f>
+                      <m:fPr>
+                        <m:ctrlPr>
+                          <a:rPr lang="en-GB" i="1" smtClean="0">
+                            <a:latin typeface="Cambria Math" panose="02040503050406030204" pitchFamily="18" charset="0"/>
+                          </a:rPr>
+                        </m:ctrlPr>
+                      </m:fPr>
+                      <m:num>
+                        <m:r>
+                          <a:rPr lang="en-GB" b="0" i="1" smtClean="0">
+                            <a:latin typeface="Cambria Math" panose="02040503050406030204" pitchFamily="18" charset="0"/>
+                          </a:rPr>
+                          <m:t>1</m:t>
+                        </m:r>
+                      </m:num>
+                      <m:den>
+                        <m:sSub>
+                          <m:sSubPr>
+                            <m:ctrlPr>
+                              <a:rPr lang="en-GB" i="1" smtClean="0">
+                                <a:latin typeface="Cambria Math" panose="02040503050406030204" pitchFamily="18" charset="0"/>
+                              </a:rPr>
+                            </m:ctrlPr>
+                          </m:sSubPr>
+                          <m:e>
+                            <m:r>
+                              <a:rPr lang="en-GB" b="0" i="1" smtClean="0">
+                                <a:latin typeface="Cambria Math" panose="02040503050406030204" pitchFamily="18" charset="0"/>
+                              </a:rPr>
+                              <m:t>𝑇</m:t>
+                            </m:r>
+                          </m:e>
+                          <m:sub>
+                            <m:r>
+                              <a:rPr lang="en-GB" b="0" i="1" smtClean="0">
+                                <a:latin typeface="Cambria Math" panose="02040503050406030204" pitchFamily="18" charset="0"/>
+                              </a:rPr>
+                              <m:t>𝑃</m:t>
+                            </m:r>
+                          </m:sub>
+                        </m:sSub>
+                      </m:den>
+                    </m:f>
+                  </m:oMath>
+                </a14:m>
+                <a:r>
+                  <a:rPr lang="en-GB" b="0" dirty="0"/>
+                  <a:t> (Hz)</a:t>
+                </a:r>
+              </a:p>
+              <a:p>
+                <a:endParaRPr lang="en-GB" sz="1800" dirty="0"/>
+              </a:p>
+              <a:p>
+                <a:r>
+                  <a:rPr lang="en-GB" sz="1800" dirty="0"/>
+                  <a:t>‘</a:t>
+                </a:r>
+                <a:r>
+                  <a:rPr lang="en-GB" sz="1800" i="1" dirty="0"/>
+                  <a:t>Slack</a:t>
+                </a:r>
+                <a:r>
+                  <a:rPr lang="en-GB" sz="1800" dirty="0"/>
+                  <a:t>’ = ‘spare time’</a:t>
+                </a:r>
+              </a:p>
+              <a:p>
+                <a:r>
+                  <a:rPr lang="en-GB" sz="1800" dirty="0"/>
+                  <a:t>for a desired target clock speed ≤ </a:t>
+                </a:r>
+                <a14:m>
+                  <m:oMath xmlns:m="http://schemas.openxmlformats.org/officeDocument/2006/math">
+                    <m:sSub>
+                      <m:sSubPr>
+                        <m:ctrlPr>
+                          <a:rPr lang="en-GB" b="0" i="1" smtClean="0">
+                            <a:latin typeface="Cambria Math" panose="02040503050406030204" pitchFamily="18" charset="0"/>
+                            <a:ea typeface="Cambria Math" panose="02040503050406030204" pitchFamily="18" charset="0"/>
+                          </a:rPr>
+                        </m:ctrlPr>
+                      </m:sSubPr>
+                      <m:e>
+                        <m:r>
+                          <a:rPr lang="en-GB" b="0" i="1" smtClean="0">
+                            <a:latin typeface="Cambria Math" panose="02040503050406030204" pitchFamily="18" charset="0"/>
+                            <a:ea typeface="Cambria Math" panose="02040503050406030204" pitchFamily="18" charset="0"/>
+                          </a:rPr>
+                          <m:t>𝑓</m:t>
+                        </m:r>
+                      </m:e>
+                      <m:sub>
+                        <m:r>
+                          <a:rPr lang="en-GB" b="0" i="1" smtClean="0">
+                            <a:latin typeface="Cambria Math" panose="02040503050406030204" pitchFamily="18" charset="0"/>
+                            <a:ea typeface="Cambria Math" panose="02040503050406030204" pitchFamily="18" charset="0"/>
+                          </a:rPr>
+                          <m:t>𝑚𝑎𝑥</m:t>
+                        </m:r>
+                      </m:sub>
+                    </m:sSub>
+                  </m:oMath>
+                </a14:m>
+                <a:endParaRPr lang="en-GB" dirty="0"/>
+              </a:p>
+              <a:p>
+                <a:endParaRPr lang="en-GB" sz="1800" dirty="0"/>
+              </a:p>
+            </p:txBody>
+          </p:sp>
+        </mc:Choice>
+        <mc:Fallback>
+          <p:sp>
+            <p:nvSpPr>
+              <p:cNvPr id="86" name="TextBox 85">
+                <a:extLst>
+                  <a:ext uri="{FF2B5EF4-FFF2-40B4-BE49-F238E27FC236}">
+                    <a16:creationId xmlns:a16="http://schemas.microsoft.com/office/drawing/2014/main" id="{3B66B084-EBB3-2D21-8A28-82543A7CC9E8}"/>
+                  </a:ext>
+                </a:extLst>
+              </p:cNvPr>
+              <p:cNvSpPr txBox="1">
+                <a:spLocks noRot="1" noChangeAspect="1" noMove="1" noResize="1" noEditPoints="1" noAdjustHandles="1" noChangeArrowheads="1" noChangeShapeType="1" noTextEdit="1"/>
+              </p:cNvSpPr>
+              <p:nvPr/>
+            </p:nvSpPr>
+            <p:spPr>
+              <a:xfrm>
+                <a:off x="6987718" y="2732990"/>
+                <a:ext cx="4366082" cy="3010761"/>
+              </a:xfrm>
+              <a:prstGeom prst="rect">
+                <a:avLst/>
+              </a:prstGeom>
+              <a:blipFill>
+                <a:blip r:embed="rId2"/>
+                <a:stretch>
+                  <a:fillRect l="-1116" t="-1012"/>
+                </a:stretch>
+              </a:blipFill>
+            </p:spPr>
+            <p:txBody>
+              <a:bodyPr/>
+              <a:lstStyle/>
+              <a:p>
+                <a:r>
+                  <a:rPr lang="en-GB">
+                    <a:noFill/>
+                  </a:rPr>
+                  <a:t> </a:t>
+                </a:r>
+              </a:p>
+            </p:txBody>
+          </p:sp>
+        </mc:Fallback>
+      </mc:AlternateContent>
+      <p:sp>
+        <p:nvSpPr>
+          <p:cNvPr id="88" name="TextBox 87">
+            <a:extLst>
+              <a:ext uri="{FF2B5EF4-FFF2-40B4-BE49-F238E27FC236}">
+                <a16:creationId xmlns:a16="http://schemas.microsoft.com/office/drawing/2014/main" id="{6C66FB49-18A8-6CB4-8C08-AE9A302F0F2F}"/>
+              </a:ext>
+            </a:extLst>
+          </p:cNvPr>
+          <p:cNvSpPr txBox="1"/>
+          <p:nvPr/>
+        </p:nvSpPr>
+        <p:spPr>
+          <a:xfrm>
+            <a:off x="838200" y="1888502"/>
+            <a:ext cx="8285666" cy="369332"/>
+          </a:xfrm>
+          <a:prstGeom prst="rect">
+            <a:avLst/>
+          </a:prstGeom>
+          <a:noFill/>
+        </p:spPr>
+        <p:txBody>
+          <a:bodyPr wrap="none" rtlCol="0">
+            <a:spAutoFit/>
+          </a:bodyPr>
+          <a:lstStyle/>
+          <a:p>
+            <a:r>
+              <a:rPr lang="en-GB" dirty="0"/>
+              <a:t>The exercises are constructed so that this real-world issue does not become a problem.</a:t>
+            </a:r>
+          </a:p>
+        </p:txBody>
+      </p:sp>
+    </p:spTree>
+    <p:extLst>
+      <p:ext uri="{BB962C8B-B14F-4D97-AF65-F5344CB8AC3E}">
+        <p14:creationId xmlns:p14="http://schemas.microsoft.com/office/powerpoint/2010/main" val="1657398731"/>
+      </p:ext>
+    </p:extLst>
+  </p:cSld>
+  <p:clrMapOvr>
+    <a:masterClrMapping/>
+  </p:clrMapOvr>
+</p:sld>
+</file>
+
+<file path=ppt/slides/slide14.xml><?xml version="1.0" encoding="utf-8"?>
 <p:sld xmlns:a="http://schemas.openxmlformats.org/drawingml/2006/main" xmlns:r="http://schemas.openxmlformats.org/officeDocument/2006/relationships" xmlns:p="http://schemas.openxmlformats.org/presentationml/2006/main">
   <p:cSld>
     <p:spTree>
@@ -16392,7 +19565,7 @@
 </p:sld>
 </file>
 
-<file path=ppt/slides/slide14.xml><?xml version="1.0" encoding="utf-8"?>
+<file path=ppt/slides/slide15.xml><?xml version="1.0" encoding="utf-8"?>
 <p:sld xmlns:a="http://schemas.openxmlformats.org/drawingml/2006/main" xmlns:r="http://schemas.openxmlformats.org/officeDocument/2006/relationships" xmlns:p="http://schemas.openxmlformats.org/presentationml/2006/main">
   <p:cSld>
     <p:spTree>
@@ -16533,7 +19706,7 @@
 </p:sld>
 </file>
 
-<file path=ppt/slides/slide15.xml><?xml version="1.0" encoding="utf-8"?>
+<file path=ppt/slides/slide16.xml><?xml version="1.0" encoding="utf-8"?>
 <p:sld xmlns:a="http://schemas.openxmlformats.org/drawingml/2006/main" xmlns:r="http://schemas.openxmlformats.org/officeDocument/2006/relationships" xmlns:p="http://schemas.openxmlformats.org/presentationml/2006/main">
   <p:cSld>
     <p:spTree>
@@ -19821,7 +22994,7 @@
 </p:sld>
 </file>
 
-<file path=ppt/slides/slide16.xml><?xml version="1.0" encoding="utf-8"?>
+<file path=ppt/slides/slide17.xml><?xml version="1.0" encoding="utf-8"?>
 <p:sld xmlns:a="http://schemas.openxmlformats.org/drawingml/2006/main" xmlns:r="http://schemas.openxmlformats.org/officeDocument/2006/relationships" xmlns:p="http://schemas.openxmlformats.org/presentationml/2006/main">
   <p:cSld>
     <p:spTree>
@@ -21484,7 +24657,7 @@
 </p:sld>
 </file>
 
-<file path=ppt/slides/slide17.xml><?xml version="1.0" encoding="utf-8"?>
+<file path=ppt/slides/slide18.xml><?xml version="1.0" encoding="utf-8"?>
 <p:sld xmlns:a="http://schemas.openxmlformats.org/drawingml/2006/main" xmlns:r="http://schemas.openxmlformats.org/officeDocument/2006/relationships" xmlns:p="http://schemas.openxmlformats.org/presentationml/2006/main">
   <p:cSld>
     <p:spTree>
